--- a/Docs/Plateau.pptx
+++ b/Docs/Plateau.pptx
@@ -11,7 +11,7 @@
     <p:sldId id="300" r:id="rId2"/>
   </p:sldIdLst>
   <p:sldSz cx="9144000" cy="6858000" type="screen4x3"/>
-  <p:notesSz cx="6858000" cy="9144000"/>
+  <p:notesSz cx="6797675" cy="9926638"/>
   <p:defaultTextStyle>
     <a:defPPr>
       <a:defRPr lang="fr-FR"/>
@@ -145,7 +145,7 @@
         <p:spPr>
           <a:xfrm>
             <a:off x="0" y="0"/>
-            <a:ext cx="2971800" cy="457200"/>
+            <a:ext cx="2945659" cy="496332"/>
           </a:xfrm>
           <a:prstGeom prst="rect">
             <a:avLst/>
@@ -175,8 +175,8 @@
         </p:nvSpPr>
         <p:spPr>
           <a:xfrm>
-            <a:off x="3884613" y="0"/>
-            <a:ext cx="2971800" cy="457200"/>
+            <a:off x="3850443" y="0"/>
+            <a:ext cx="2945659" cy="496332"/>
           </a:xfrm>
           <a:prstGeom prst="rect">
             <a:avLst/>
@@ -192,7 +192,7 @@
           <a:p>
             <a:fld id="{8F6BF74C-C825-46E6-A94A-4DDCA47B6E5E}" type="datetimeFigureOut">
               <a:rPr lang="fr-FR" smtClean="0"/>
-              <a:t>03/08/2015</a:t>
+              <a:t>05/08/2015</a:t>
             </a:fld>
             <a:endParaRPr lang="fr-FR"/>
           </a:p>
@@ -210,8 +210,8 @@
         </p:nvSpPr>
         <p:spPr>
           <a:xfrm>
-            <a:off x="0" y="8685213"/>
-            <a:ext cx="2971800" cy="457200"/>
+            <a:off x="0" y="9428583"/>
+            <a:ext cx="2945659" cy="496332"/>
           </a:xfrm>
           <a:prstGeom prst="rect">
             <a:avLst/>
@@ -241,8 +241,8 @@
         </p:nvSpPr>
         <p:spPr>
           <a:xfrm>
-            <a:off x="3884613" y="8685213"/>
-            <a:ext cx="2971800" cy="457200"/>
+            <a:off x="3850443" y="9428583"/>
+            <a:ext cx="2945659" cy="496332"/>
           </a:xfrm>
           <a:prstGeom prst="rect">
             <a:avLst/>
@@ -456,7 +456,7 @@
           <a:p>
             <a:fld id="{AA309A6D-C09C-4548-B29A-6CF363A7E532}" type="datetimeFigureOut">
               <a:rPr lang="fr-FR" smtClean="0"/>
-              <a:t>03/08/2015</a:t>
+              <a:t>05/08/2015</a:t>
             </a:fld>
             <a:endParaRPr lang="fr-BE"/>
           </a:p>
@@ -621,7 +621,7 @@
           <a:p>
             <a:fld id="{AA309A6D-C09C-4548-B29A-6CF363A7E532}" type="datetimeFigureOut">
               <a:rPr lang="fr-FR" smtClean="0"/>
-              <a:t>03/08/2015</a:t>
+              <a:t>05/08/2015</a:t>
             </a:fld>
             <a:endParaRPr lang="fr-BE"/>
           </a:p>
@@ -796,7 +796,7 @@
           <a:p>
             <a:fld id="{AA309A6D-C09C-4548-B29A-6CF363A7E532}" type="datetimeFigureOut">
               <a:rPr lang="fr-FR" smtClean="0"/>
-              <a:t>03/08/2015</a:t>
+              <a:t>05/08/2015</a:t>
             </a:fld>
             <a:endParaRPr lang="fr-BE"/>
           </a:p>
@@ -961,7 +961,7 @@
           <a:p>
             <a:fld id="{AA309A6D-C09C-4548-B29A-6CF363A7E532}" type="datetimeFigureOut">
               <a:rPr lang="fr-FR" smtClean="0"/>
-              <a:t>03/08/2015</a:t>
+              <a:t>05/08/2015</a:t>
             </a:fld>
             <a:endParaRPr lang="fr-BE"/>
           </a:p>
@@ -1202,7 +1202,7 @@
           <a:p>
             <a:fld id="{AA309A6D-C09C-4548-B29A-6CF363A7E532}" type="datetimeFigureOut">
               <a:rPr lang="fr-FR" smtClean="0"/>
-              <a:t>03/08/2015</a:t>
+              <a:t>05/08/2015</a:t>
             </a:fld>
             <a:endParaRPr lang="fr-BE"/>
           </a:p>
@@ -1485,7 +1485,7 @@
           <a:p>
             <a:fld id="{AA309A6D-C09C-4548-B29A-6CF363A7E532}" type="datetimeFigureOut">
               <a:rPr lang="fr-FR" smtClean="0"/>
-              <a:t>03/08/2015</a:t>
+              <a:t>05/08/2015</a:t>
             </a:fld>
             <a:endParaRPr lang="fr-BE"/>
           </a:p>
@@ -1902,7 +1902,7 @@
           <a:p>
             <a:fld id="{AA309A6D-C09C-4548-B29A-6CF363A7E532}" type="datetimeFigureOut">
               <a:rPr lang="fr-FR" smtClean="0"/>
-              <a:t>03/08/2015</a:t>
+              <a:t>05/08/2015</a:t>
             </a:fld>
             <a:endParaRPr lang="fr-BE"/>
           </a:p>
@@ -2015,7 +2015,7 @@
           <a:p>
             <a:fld id="{AA309A6D-C09C-4548-B29A-6CF363A7E532}" type="datetimeFigureOut">
               <a:rPr lang="fr-FR" smtClean="0"/>
-              <a:t>03/08/2015</a:t>
+              <a:t>05/08/2015</a:t>
             </a:fld>
             <a:endParaRPr lang="fr-BE"/>
           </a:p>
@@ -2105,7 +2105,7 @@
           <a:p>
             <a:fld id="{AA309A6D-C09C-4548-B29A-6CF363A7E532}" type="datetimeFigureOut">
               <a:rPr lang="fr-FR" smtClean="0"/>
-              <a:t>03/08/2015</a:t>
+              <a:t>05/08/2015</a:t>
             </a:fld>
             <a:endParaRPr lang="fr-BE"/>
           </a:p>
@@ -2377,7 +2377,7 @@
           <a:p>
             <a:fld id="{AA309A6D-C09C-4548-B29A-6CF363A7E532}" type="datetimeFigureOut">
               <a:rPr lang="fr-FR" smtClean="0"/>
-              <a:t>03/08/2015</a:t>
+              <a:t>05/08/2015</a:t>
             </a:fld>
             <a:endParaRPr lang="fr-BE"/>
           </a:p>
@@ -2625,7 +2625,7 @@
           <a:p>
             <a:fld id="{AA309A6D-C09C-4548-B29A-6CF363A7E532}" type="datetimeFigureOut">
               <a:rPr lang="fr-FR" smtClean="0"/>
-              <a:t>03/08/2015</a:t>
+              <a:t>05/08/2015</a:t>
             </a:fld>
             <a:endParaRPr lang="fr-BE"/>
           </a:p>
@@ -2833,7 +2833,7 @@
           <a:p>
             <a:fld id="{AA309A6D-C09C-4548-B29A-6CF363A7E532}" type="datetimeFigureOut">
               <a:rPr lang="fr-FR" smtClean="0"/>
-              <a:t>03/08/2015</a:t>
+              <a:t>05/08/2015</a:t>
             </a:fld>
             <a:endParaRPr lang="fr-BE"/>
           </a:p>
@@ -3205,30 +3205,6 @@
       </p:grpSpPr>
       <p:sp>
         <p:nvSpPr>
-          <p:cNvPr id="8" name="Sous-titre 7"/>
-          <p:cNvSpPr>
-            <a:spLocks noGrp="1"/>
-          </p:cNvSpPr>
-          <p:nvPr>
-            <p:ph type="subTitle" idx="1"/>
-          </p:nvPr>
-        </p:nvSpPr>
-        <p:spPr>
-          <a:xfrm>
-            <a:off x="1371600" y="3757096"/>
-            <a:ext cx="6400800" cy="1752600"/>
-          </a:xfrm>
-        </p:spPr>
-        <p:txBody>
-          <a:bodyPr/>
-          <a:lstStyle/>
-          <a:p>
-            <a:endParaRPr lang="fr-FR" dirty="0"/>
-          </a:p>
-        </p:txBody>
-      </p:sp>
-      <p:sp>
-        <p:nvSpPr>
           <p:cNvPr id="9" name="Titre 8"/>
           <p:cNvSpPr>
             <a:spLocks noGrp="1"/>
@@ -3247,24 +3223,1182 @@
           <a:bodyPr/>
           <a:lstStyle/>
           <a:p>
-            <a:endParaRPr lang="fr-FR"/>
-          </a:p>
-        </p:txBody>
-      </p:sp>
-      <p:sp>
-        <p:nvSpPr>
-          <p:cNvPr id="10" name="Rectangle 9"/>
+            <a:endParaRPr lang="fr-FR" dirty="0"/>
+          </a:p>
+        </p:txBody>
+      </p:sp>
+      <p:grpSp>
+        <p:nvGrpSpPr>
+          <p:cNvPr id="4" name="Groupe 3"/>
+          <p:cNvGrpSpPr/>
+          <p:nvPr/>
+        </p:nvGrpSpPr>
+        <p:grpSpPr>
+          <a:xfrm>
+            <a:off x="1475656" y="67495"/>
+            <a:ext cx="1656184" cy="6630521"/>
+            <a:chOff x="1475656" y="67495"/>
+            <a:chExt cx="1656184" cy="6630521"/>
+          </a:xfrm>
+        </p:grpSpPr>
+        <p:sp>
+          <p:nvSpPr>
+            <p:cNvPr id="10" name="Rectangle 9"/>
+            <p:cNvSpPr/>
+            <p:nvPr/>
+          </p:nvSpPr>
+          <p:spPr>
+            <a:xfrm rot="5400000">
+              <a:off x="-1011513" y="2554664"/>
+              <a:ext cx="6630521" cy="1656184"/>
+            </a:xfrm>
+            <a:prstGeom prst="rect">
+              <a:avLst/>
+            </a:prstGeom>
+          </p:spPr>
+          <p:style>
+            <a:lnRef idx="2">
+              <a:schemeClr val="accent1">
+                <a:shade val="50000"/>
+              </a:schemeClr>
+            </a:lnRef>
+            <a:fillRef idx="1">
+              <a:schemeClr val="accent1"/>
+            </a:fillRef>
+            <a:effectRef idx="0">
+              <a:schemeClr val="accent1"/>
+            </a:effectRef>
+            <a:fontRef idx="minor">
+              <a:schemeClr val="lt1"/>
+            </a:fontRef>
+          </p:style>
+          <p:txBody>
+            <a:bodyPr rtlCol="0" anchor="t"/>
+            <a:lstStyle/>
+            <a:p>
+              <a:r>
+                <a:rPr lang="fr-FR" dirty="0" smtClean="0"/>
+                <a:t>Points de vie</a:t>
+              </a:r>
+              <a:endParaRPr lang="fr-FR" dirty="0"/>
+            </a:p>
+          </p:txBody>
+        </p:sp>
+        <p:sp>
+          <p:nvSpPr>
+            <p:cNvPr id="11" name="Rectangle 10"/>
+            <p:cNvSpPr/>
+            <p:nvPr/>
+          </p:nvSpPr>
+          <p:spPr>
+            <a:xfrm rot="5400000">
+              <a:off x="2231491" y="190418"/>
+              <a:ext cx="576064" cy="504056"/>
+            </a:xfrm>
+            <a:prstGeom prst="rect">
+              <a:avLst/>
+            </a:prstGeom>
+            <a:solidFill>
+              <a:schemeClr val="bg1"/>
+            </a:solidFill>
+          </p:spPr>
+          <p:style>
+            <a:lnRef idx="2">
+              <a:schemeClr val="accent1">
+                <a:shade val="50000"/>
+              </a:schemeClr>
+            </a:lnRef>
+            <a:fillRef idx="1">
+              <a:schemeClr val="accent1"/>
+            </a:fillRef>
+            <a:effectRef idx="0">
+              <a:schemeClr val="accent1"/>
+            </a:effectRef>
+            <a:fontRef idx="minor">
+              <a:schemeClr val="lt1"/>
+            </a:fontRef>
+          </p:style>
+          <p:txBody>
+            <a:bodyPr rtlCol="0" anchor="ctr"/>
+            <a:lstStyle/>
+            <a:p>
+              <a:pPr algn="ctr"/>
+              <a:r>
+                <a:rPr lang="fr-FR" sz="2800" b="1" dirty="0" smtClean="0">
+                  <a:solidFill>
+                    <a:schemeClr val="tx1"/>
+                  </a:solidFill>
+                </a:rPr>
+                <a:t>1</a:t>
+              </a:r>
+              <a:endParaRPr lang="fr-FR" sz="2800" b="1" dirty="0">
+                <a:solidFill>
+                  <a:schemeClr val="tx1"/>
+                </a:solidFill>
+              </a:endParaRPr>
+            </a:p>
+          </p:txBody>
+        </p:sp>
+        <p:sp>
+          <p:nvSpPr>
+            <p:cNvPr id="12" name="Rectangle 11"/>
+            <p:cNvSpPr/>
+            <p:nvPr/>
+          </p:nvSpPr>
+          <p:spPr>
+            <a:xfrm rot="5400000">
+              <a:off x="2255640" y="846874"/>
+              <a:ext cx="576064" cy="504056"/>
+            </a:xfrm>
+            <a:prstGeom prst="rect">
+              <a:avLst/>
+            </a:prstGeom>
+            <a:solidFill>
+              <a:schemeClr val="bg1"/>
+            </a:solidFill>
+          </p:spPr>
+          <p:style>
+            <a:lnRef idx="2">
+              <a:schemeClr val="accent1">
+                <a:shade val="50000"/>
+              </a:schemeClr>
+            </a:lnRef>
+            <a:fillRef idx="1">
+              <a:schemeClr val="accent1"/>
+            </a:fillRef>
+            <a:effectRef idx="0">
+              <a:schemeClr val="accent1"/>
+            </a:effectRef>
+            <a:fontRef idx="minor">
+              <a:schemeClr val="lt1"/>
+            </a:fontRef>
+          </p:style>
+          <p:txBody>
+            <a:bodyPr rtlCol="0" anchor="ctr"/>
+            <a:lstStyle/>
+            <a:p>
+              <a:pPr algn="ctr"/>
+              <a:r>
+                <a:rPr lang="fr-FR" sz="2800" b="1" dirty="0" smtClean="0">
+                  <a:solidFill>
+                    <a:schemeClr val="tx1"/>
+                  </a:solidFill>
+                </a:rPr>
+                <a:t>2</a:t>
+              </a:r>
+              <a:endParaRPr lang="fr-FR" sz="2800" b="1" dirty="0">
+                <a:solidFill>
+                  <a:schemeClr val="tx1"/>
+                </a:solidFill>
+              </a:endParaRPr>
+            </a:p>
+          </p:txBody>
+        </p:sp>
+        <p:sp>
+          <p:nvSpPr>
+            <p:cNvPr id="13" name="Rectangle 12"/>
+            <p:cNvSpPr/>
+            <p:nvPr/>
+          </p:nvSpPr>
+          <p:spPr>
+            <a:xfrm rot="5400000">
+              <a:off x="2255641" y="1471650"/>
+              <a:ext cx="576064" cy="504056"/>
+            </a:xfrm>
+            <a:prstGeom prst="rect">
+              <a:avLst/>
+            </a:prstGeom>
+            <a:solidFill>
+              <a:schemeClr val="bg1"/>
+            </a:solidFill>
+          </p:spPr>
+          <p:style>
+            <a:lnRef idx="2">
+              <a:schemeClr val="accent1">
+                <a:shade val="50000"/>
+              </a:schemeClr>
+            </a:lnRef>
+            <a:fillRef idx="1">
+              <a:schemeClr val="accent1"/>
+            </a:fillRef>
+            <a:effectRef idx="0">
+              <a:schemeClr val="accent1"/>
+            </a:effectRef>
+            <a:fontRef idx="minor">
+              <a:schemeClr val="lt1"/>
+            </a:fontRef>
+          </p:style>
+          <p:txBody>
+            <a:bodyPr rtlCol="0" anchor="ctr"/>
+            <a:lstStyle/>
+            <a:p>
+              <a:pPr algn="ctr"/>
+              <a:r>
+                <a:rPr lang="fr-FR" sz="2800" b="1" dirty="0" smtClean="0">
+                  <a:solidFill>
+                    <a:schemeClr val="tx1"/>
+                  </a:solidFill>
+                </a:rPr>
+                <a:t>3</a:t>
+              </a:r>
+              <a:endParaRPr lang="fr-FR" sz="2800" b="1" dirty="0">
+                <a:solidFill>
+                  <a:schemeClr val="tx1"/>
+                </a:solidFill>
+              </a:endParaRPr>
+            </a:p>
+          </p:txBody>
+        </p:sp>
+        <p:sp>
+          <p:nvSpPr>
+            <p:cNvPr id="14" name="Rectangle 13"/>
+            <p:cNvSpPr/>
+            <p:nvPr/>
+          </p:nvSpPr>
+          <p:spPr>
+            <a:xfrm rot="5400000">
+              <a:off x="2262538" y="2119722"/>
+              <a:ext cx="576064" cy="504056"/>
+            </a:xfrm>
+            <a:prstGeom prst="rect">
+              <a:avLst/>
+            </a:prstGeom>
+            <a:solidFill>
+              <a:schemeClr val="bg1"/>
+            </a:solidFill>
+          </p:spPr>
+          <p:style>
+            <a:lnRef idx="2">
+              <a:schemeClr val="accent1">
+                <a:shade val="50000"/>
+              </a:schemeClr>
+            </a:lnRef>
+            <a:fillRef idx="1">
+              <a:schemeClr val="accent1"/>
+            </a:fillRef>
+            <a:effectRef idx="0">
+              <a:schemeClr val="accent1"/>
+            </a:effectRef>
+            <a:fontRef idx="minor">
+              <a:schemeClr val="lt1"/>
+            </a:fontRef>
+          </p:style>
+          <p:txBody>
+            <a:bodyPr rtlCol="0" anchor="ctr"/>
+            <a:lstStyle/>
+            <a:p>
+              <a:pPr algn="ctr"/>
+              <a:r>
+                <a:rPr lang="fr-FR" sz="2800" b="1" dirty="0">
+                  <a:solidFill>
+                    <a:schemeClr val="tx1"/>
+                  </a:solidFill>
+                </a:rPr>
+                <a:t>4</a:t>
+              </a:r>
+            </a:p>
+          </p:txBody>
+        </p:sp>
+        <p:sp>
+          <p:nvSpPr>
+            <p:cNvPr id="15" name="Rectangle 14"/>
+            <p:cNvSpPr/>
+            <p:nvPr/>
+          </p:nvSpPr>
+          <p:spPr>
+            <a:xfrm rot="5400000">
+              <a:off x="2262538" y="2767794"/>
+              <a:ext cx="576064" cy="504056"/>
+            </a:xfrm>
+            <a:prstGeom prst="rect">
+              <a:avLst/>
+            </a:prstGeom>
+            <a:solidFill>
+              <a:schemeClr val="bg1"/>
+            </a:solidFill>
+          </p:spPr>
+          <p:style>
+            <a:lnRef idx="2">
+              <a:schemeClr val="accent1">
+                <a:shade val="50000"/>
+              </a:schemeClr>
+            </a:lnRef>
+            <a:fillRef idx="1">
+              <a:schemeClr val="accent1"/>
+            </a:fillRef>
+            <a:effectRef idx="0">
+              <a:schemeClr val="accent1"/>
+            </a:effectRef>
+            <a:fontRef idx="minor">
+              <a:schemeClr val="lt1"/>
+            </a:fontRef>
+          </p:style>
+          <p:txBody>
+            <a:bodyPr rtlCol="0" anchor="ctr"/>
+            <a:lstStyle/>
+            <a:p>
+              <a:pPr algn="ctr"/>
+              <a:r>
+                <a:rPr lang="fr-FR" sz="2800" b="1" dirty="0" smtClean="0">
+                  <a:solidFill>
+                    <a:schemeClr val="tx1"/>
+                  </a:solidFill>
+                </a:rPr>
+                <a:t>5</a:t>
+              </a:r>
+              <a:endParaRPr lang="fr-FR" sz="2800" b="1" dirty="0">
+                <a:solidFill>
+                  <a:schemeClr val="tx1"/>
+                </a:solidFill>
+              </a:endParaRPr>
+            </a:p>
+          </p:txBody>
+        </p:sp>
+        <p:sp>
+          <p:nvSpPr>
+            <p:cNvPr id="16" name="Rectangle 15"/>
+            <p:cNvSpPr/>
+            <p:nvPr/>
+          </p:nvSpPr>
+          <p:spPr>
+            <a:xfrm rot="5400000">
+              <a:off x="2255640" y="3415866"/>
+              <a:ext cx="576064" cy="504056"/>
+            </a:xfrm>
+            <a:prstGeom prst="rect">
+              <a:avLst/>
+            </a:prstGeom>
+            <a:solidFill>
+              <a:schemeClr val="bg1"/>
+            </a:solidFill>
+          </p:spPr>
+          <p:style>
+            <a:lnRef idx="2">
+              <a:schemeClr val="accent1">
+                <a:shade val="50000"/>
+              </a:schemeClr>
+            </a:lnRef>
+            <a:fillRef idx="1">
+              <a:schemeClr val="accent1"/>
+            </a:fillRef>
+            <a:effectRef idx="0">
+              <a:schemeClr val="accent1"/>
+            </a:effectRef>
+            <a:fontRef idx="minor">
+              <a:schemeClr val="lt1"/>
+            </a:fontRef>
+          </p:style>
+          <p:txBody>
+            <a:bodyPr rtlCol="0" anchor="ctr"/>
+            <a:lstStyle/>
+            <a:p>
+              <a:pPr algn="ctr"/>
+              <a:r>
+                <a:rPr lang="fr-FR" sz="2800" b="1" dirty="0" smtClean="0">
+                  <a:solidFill>
+                    <a:schemeClr val="tx1"/>
+                  </a:solidFill>
+                </a:rPr>
+                <a:t>6</a:t>
+              </a:r>
+              <a:endParaRPr lang="fr-FR" sz="2800" b="1" dirty="0">
+                <a:solidFill>
+                  <a:schemeClr val="tx1"/>
+                </a:solidFill>
+              </a:endParaRPr>
+            </a:p>
+          </p:txBody>
+        </p:sp>
+        <p:sp>
+          <p:nvSpPr>
+            <p:cNvPr id="17" name="Rectangle 16"/>
+            <p:cNvSpPr/>
+            <p:nvPr/>
+          </p:nvSpPr>
+          <p:spPr>
+            <a:xfrm rot="5400000">
+              <a:off x="2247013" y="4063938"/>
+              <a:ext cx="576064" cy="504056"/>
+            </a:xfrm>
+            <a:prstGeom prst="rect">
+              <a:avLst/>
+            </a:prstGeom>
+            <a:solidFill>
+              <a:schemeClr val="bg1"/>
+            </a:solidFill>
+          </p:spPr>
+          <p:style>
+            <a:lnRef idx="2">
+              <a:schemeClr val="accent1">
+                <a:shade val="50000"/>
+              </a:schemeClr>
+            </a:lnRef>
+            <a:fillRef idx="1">
+              <a:schemeClr val="accent1"/>
+            </a:fillRef>
+            <a:effectRef idx="0">
+              <a:schemeClr val="accent1"/>
+            </a:effectRef>
+            <a:fontRef idx="minor">
+              <a:schemeClr val="lt1"/>
+            </a:fontRef>
+          </p:style>
+          <p:txBody>
+            <a:bodyPr rtlCol="0" anchor="ctr"/>
+            <a:lstStyle/>
+            <a:p>
+              <a:pPr algn="ctr"/>
+              <a:r>
+                <a:rPr lang="fr-FR" sz="2800" b="1" dirty="0" smtClean="0">
+                  <a:solidFill>
+                    <a:schemeClr val="tx1"/>
+                  </a:solidFill>
+                </a:rPr>
+                <a:t>7</a:t>
+              </a:r>
+              <a:endParaRPr lang="fr-FR" sz="2800" b="1" dirty="0">
+                <a:solidFill>
+                  <a:schemeClr val="tx1"/>
+                </a:solidFill>
+              </a:endParaRPr>
+            </a:p>
+          </p:txBody>
+        </p:sp>
+        <p:sp>
+          <p:nvSpPr>
+            <p:cNvPr id="18" name="Rectangle 17"/>
+            <p:cNvSpPr/>
+            <p:nvPr/>
+          </p:nvSpPr>
+          <p:spPr>
+            <a:xfrm rot="5400000">
+              <a:off x="2231491" y="4712010"/>
+              <a:ext cx="576064" cy="504056"/>
+            </a:xfrm>
+            <a:prstGeom prst="rect">
+              <a:avLst/>
+            </a:prstGeom>
+            <a:solidFill>
+              <a:schemeClr val="bg1"/>
+            </a:solidFill>
+          </p:spPr>
+          <p:style>
+            <a:lnRef idx="2">
+              <a:schemeClr val="accent1">
+                <a:shade val="50000"/>
+              </a:schemeClr>
+            </a:lnRef>
+            <a:fillRef idx="1">
+              <a:schemeClr val="accent1"/>
+            </a:fillRef>
+            <a:effectRef idx="0">
+              <a:schemeClr val="accent1"/>
+            </a:effectRef>
+            <a:fontRef idx="minor">
+              <a:schemeClr val="lt1"/>
+            </a:fontRef>
+          </p:style>
+          <p:txBody>
+            <a:bodyPr rtlCol="0" anchor="ctr"/>
+            <a:lstStyle/>
+            <a:p>
+              <a:pPr algn="ctr"/>
+              <a:r>
+                <a:rPr lang="fr-FR" sz="2800" b="1" dirty="0" smtClean="0">
+                  <a:solidFill>
+                    <a:schemeClr val="tx1"/>
+                  </a:solidFill>
+                </a:rPr>
+                <a:t>8</a:t>
+              </a:r>
+              <a:endParaRPr lang="fr-FR" sz="2800" b="1" dirty="0">
+                <a:solidFill>
+                  <a:schemeClr val="tx1"/>
+                </a:solidFill>
+              </a:endParaRPr>
+            </a:p>
+          </p:txBody>
+        </p:sp>
+        <p:sp>
+          <p:nvSpPr>
+            <p:cNvPr id="19" name="Rectangle 18"/>
+            <p:cNvSpPr/>
+            <p:nvPr/>
+          </p:nvSpPr>
+          <p:spPr>
+            <a:xfrm rot="5400000">
+              <a:off x="2241697" y="5396595"/>
+              <a:ext cx="576064" cy="504056"/>
+            </a:xfrm>
+            <a:prstGeom prst="rect">
+              <a:avLst/>
+            </a:prstGeom>
+            <a:solidFill>
+              <a:schemeClr val="bg1"/>
+            </a:solidFill>
+          </p:spPr>
+          <p:style>
+            <a:lnRef idx="2">
+              <a:schemeClr val="accent1">
+                <a:shade val="50000"/>
+              </a:schemeClr>
+            </a:lnRef>
+            <a:fillRef idx="1">
+              <a:schemeClr val="accent1"/>
+            </a:fillRef>
+            <a:effectRef idx="0">
+              <a:schemeClr val="accent1"/>
+            </a:effectRef>
+            <a:fontRef idx="minor">
+              <a:schemeClr val="lt1"/>
+            </a:fontRef>
+          </p:style>
+          <p:txBody>
+            <a:bodyPr rtlCol="0" anchor="ctr"/>
+            <a:lstStyle/>
+            <a:p>
+              <a:pPr algn="ctr"/>
+              <a:r>
+                <a:rPr lang="fr-FR" sz="2800" b="1" dirty="0" smtClean="0">
+                  <a:solidFill>
+                    <a:schemeClr val="tx1"/>
+                  </a:solidFill>
+                </a:rPr>
+                <a:t>9</a:t>
+              </a:r>
+              <a:endParaRPr lang="fr-FR" sz="2800" b="1" dirty="0">
+                <a:solidFill>
+                  <a:schemeClr val="tx1"/>
+                </a:solidFill>
+              </a:endParaRPr>
+            </a:p>
+          </p:txBody>
+        </p:sp>
+        <p:sp>
+          <p:nvSpPr>
+            <p:cNvPr id="20" name="Rectangle 19"/>
+            <p:cNvSpPr/>
+            <p:nvPr/>
+          </p:nvSpPr>
+          <p:spPr>
+            <a:xfrm rot="5400000">
+              <a:off x="2222235" y="6074378"/>
+              <a:ext cx="576064" cy="504056"/>
+            </a:xfrm>
+            <a:prstGeom prst="rect">
+              <a:avLst/>
+            </a:prstGeom>
+            <a:solidFill>
+              <a:schemeClr val="bg1"/>
+            </a:solidFill>
+          </p:spPr>
+          <p:style>
+            <a:lnRef idx="2">
+              <a:schemeClr val="accent1">
+                <a:shade val="50000"/>
+              </a:schemeClr>
+            </a:lnRef>
+            <a:fillRef idx="1">
+              <a:schemeClr val="accent1"/>
+            </a:fillRef>
+            <a:effectRef idx="0">
+              <a:schemeClr val="accent1"/>
+            </a:effectRef>
+            <a:fontRef idx="minor">
+              <a:schemeClr val="lt1"/>
+            </a:fontRef>
+          </p:style>
+          <p:txBody>
+            <a:bodyPr rtlCol="0" anchor="ctr"/>
+            <a:lstStyle/>
+            <a:p>
+              <a:pPr algn="ctr"/>
+              <a:r>
+                <a:rPr lang="fr-FR" sz="2800" b="1" dirty="0" smtClean="0">
+                  <a:solidFill>
+                    <a:schemeClr val="tx1"/>
+                  </a:solidFill>
+                </a:rPr>
+                <a:t>10</a:t>
+              </a:r>
+              <a:endParaRPr lang="fr-FR" sz="2800" b="1" dirty="0">
+                <a:solidFill>
+                  <a:schemeClr val="tx1"/>
+                </a:solidFill>
+              </a:endParaRPr>
+            </a:p>
+          </p:txBody>
+        </p:sp>
+        <p:sp>
+          <p:nvSpPr>
+            <p:cNvPr id="21" name="Rectangle 20"/>
+            <p:cNvSpPr/>
+            <p:nvPr/>
+          </p:nvSpPr>
+          <p:spPr>
+            <a:xfrm rot="5400000">
+              <a:off x="1599831" y="190418"/>
+              <a:ext cx="576064" cy="504056"/>
+            </a:xfrm>
+            <a:prstGeom prst="rect">
+              <a:avLst/>
+            </a:prstGeom>
+            <a:solidFill>
+              <a:schemeClr val="bg1"/>
+            </a:solidFill>
+          </p:spPr>
+          <p:style>
+            <a:lnRef idx="2">
+              <a:schemeClr val="accent1">
+                <a:shade val="50000"/>
+              </a:schemeClr>
+            </a:lnRef>
+            <a:fillRef idx="1">
+              <a:schemeClr val="accent1"/>
+            </a:fillRef>
+            <a:effectRef idx="0">
+              <a:schemeClr val="accent1"/>
+            </a:effectRef>
+            <a:fontRef idx="minor">
+              <a:schemeClr val="lt1"/>
+            </a:fontRef>
+          </p:style>
+          <p:txBody>
+            <a:bodyPr rtlCol="0" anchor="ctr"/>
+            <a:lstStyle/>
+            <a:p>
+              <a:pPr algn="ctr"/>
+              <a:r>
+                <a:rPr lang="fr-FR" sz="2800" b="1" dirty="0" smtClean="0">
+                  <a:solidFill>
+                    <a:schemeClr val="tx1"/>
+                  </a:solidFill>
+                </a:rPr>
+                <a:t>11</a:t>
+              </a:r>
+              <a:endParaRPr lang="fr-FR" sz="2800" b="1" dirty="0">
+                <a:solidFill>
+                  <a:schemeClr val="tx1"/>
+                </a:solidFill>
+              </a:endParaRPr>
+            </a:p>
+          </p:txBody>
+        </p:sp>
+        <p:sp>
+          <p:nvSpPr>
+            <p:cNvPr id="22" name="Rectangle 21"/>
+            <p:cNvSpPr/>
+            <p:nvPr/>
+          </p:nvSpPr>
+          <p:spPr>
+            <a:xfrm rot="5400000">
+              <a:off x="1608458" y="808666"/>
+              <a:ext cx="576064" cy="504056"/>
+            </a:xfrm>
+            <a:prstGeom prst="rect">
+              <a:avLst/>
+            </a:prstGeom>
+            <a:solidFill>
+              <a:schemeClr val="bg1"/>
+            </a:solidFill>
+          </p:spPr>
+          <p:style>
+            <a:lnRef idx="2">
+              <a:schemeClr val="accent1">
+                <a:shade val="50000"/>
+              </a:schemeClr>
+            </a:lnRef>
+            <a:fillRef idx="1">
+              <a:schemeClr val="accent1"/>
+            </a:fillRef>
+            <a:effectRef idx="0">
+              <a:schemeClr val="accent1"/>
+            </a:effectRef>
+            <a:fontRef idx="minor">
+              <a:schemeClr val="lt1"/>
+            </a:fontRef>
+          </p:style>
+          <p:txBody>
+            <a:bodyPr rtlCol="0" anchor="ctr"/>
+            <a:lstStyle/>
+            <a:p>
+              <a:pPr algn="ctr"/>
+              <a:r>
+                <a:rPr lang="fr-FR" sz="2800" b="1" dirty="0" smtClean="0">
+                  <a:solidFill>
+                    <a:schemeClr val="tx1"/>
+                  </a:solidFill>
+                </a:rPr>
+                <a:t>12</a:t>
+              </a:r>
+              <a:endParaRPr lang="fr-FR" sz="2800" b="1" dirty="0">
+                <a:solidFill>
+                  <a:schemeClr val="tx1"/>
+                </a:solidFill>
+              </a:endParaRPr>
+            </a:p>
+          </p:txBody>
+        </p:sp>
+        <p:sp>
+          <p:nvSpPr>
+            <p:cNvPr id="23" name="Rectangle 22"/>
+            <p:cNvSpPr/>
+            <p:nvPr/>
+          </p:nvSpPr>
+          <p:spPr>
+            <a:xfrm rot="5400000">
+              <a:off x="1599831" y="1456738"/>
+              <a:ext cx="576064" cy="504056"/>
+            </a:xfrm>
+            <a:prstGeom prst="rect">
+              <a:avLst/>
+            </a:prstGeom>
+            <a:solidFill>
+              <a:schemeClr val="bg1"/>
+            </a:solidFill>
+          </p:spPr>
+          <p:style>
+            <a:lnRef idx="2">
+              <a:schemeClr val="accent1">
+                <a:shade val="50000"/>
+              </a:schemeClr>
+            </a:lnRef>
+            <a:fillRef idx="1">
+              <a:schemeClr val="accent1"/>
+            </a:fillRef>
+            <a:effectRef idx="0">
+              <a:schemeClr val="accent1"/>
+            </a:effectRef>
+            <a:fontRef idx="minor">
+              <a:schemeClr val="lt1"/>
+            </a:fontRef>
+          </p:style>
+          <p:txBody>
+            <a:bodyPr rtlCol="0" anchor="ctr"/>
+            <a:lstStyle/>
+            <a:p>
+              <a:pPr algn="ctr"/>
+              <a:r>
+                <a:rPr lang="fr-FR" sz="2800" b="1" dirty="0" smtClean="0">
+                  <a:solidFill>
+                    <a:schemeClr val="tx1"/>
+                  </a:solidFill>
+                </a:rPr>
+                <a:t>13</a:t>
+              </a:r>
+              <a:endParaRPr lang="fr-FR" sz="2800" b="1" dirty="0">
+                <a:solidFill>
+                  <a:schemeClr val="tx1"/>
+                </a:solidFill>
+              </a:endParaRPr>
+            </a:p>
+          </p:txBody>
+        </p:sp>
+        <p:sp>
+          <p:nvSpPr>
+            <p:cNvPr id="24" name="Rectangle 23"/>
+            <p:cNvSpPr/>
+            <p:nvPr/>
+          </p:nvSpPr>
+          <p:spPr>
+            <a:xfrm rot="5400000">
+              <a:off x="1583668" y="2119722"/>
+              <a:ext cx="576064" cy="504056"/>
+            </a:xfrm>
+            <a:prstGeom prst="rect">
+              <a:avLst/>
+            </a:prstGeom>
+            <a:solidFill>
+              <a:schemeClr val="bg1"/>
+            </a:solidFill>
+          </p:spPr>
+          <p:style>
+            <a:lnRef idx="2">
+              <a:schemeClr val="accent1">
+                <a:shade val="50000"/>
+              </a:schemeClr>
+            </a:lnRef>
+            <a:fillRef idx="1">
+              <a:schemeClr val="accent1"/>
+            </a:fillRef>
+            <a:effectRef idx="0">
+              <a:schemeClr val="accent1"/>
+            </a:effectRef>
+            <a:fontRef idx="minor">
+              <a:schemeClr val="lt1"/>
+            </a:fontRef>
+          </p:style>
+          <p:txBody>
+            <a:bodyPr rtlCol="0" anchor="ctr"/>
+            <a:lstStyle/>
+            <a:p>
+              <a:pPr algn="ctr"/>
+              <a:r>
+                <a:rPr lang="fr-FR" sz="2800" b="1" dirty="0" smtClean="0">
+                  <a:solidFill>
+                    <a:schemeClr val="tx1"/>
+                  </a:solidFill>
+                </a:rPr>
+                <a:t>14</a:t>
+              </a:r>
+              <a:endParaRPr lang="fr-FR" sz="2800" b="1" dirty="0">
+                <a:solidFill>
+                  <a:schemeClr val="tx1"/>
+                </a:solidFill>
+              </a:endParaRPr>
+            </a:p>
+          </p:txBody>
+        </p:sp>
+        <p:sp>
+          <p:nvSpPr>
+            <p:cNvPr id="25" name="Rectangle 24"/>
+            <p:cNvSpPr/>
+            <p:nvPr/>
+          </p:nvSpPr>
+          <p:spPr>
+            <a:xfrm rot="5400000">
+              <a:off x="1585027" y="2752882"/>
+              <a:ext cx="576064" cy="504056"/>
+            </a:xfrm>
+            <a:prstGeom prst="rect">
+              <a:avLst/>
+            </a:prstGeom>
+            <a:solidFill>
+              <a:schemeClr val="bg1"/>
+            </a:solidFill>
+          </p:spPr>
+          <p:style>
+            <a:lnRef idx="2">
+              <a:schemeClr val="accent1">
+                <a:shade val="50000"/>
+              </a:schemeClr>
+            </a:lnRef>
+            <a:fillRef idx="1">
+              <a:schemeClr val="accent1"/>
+            </a:fillRef>
+            <a:effectRef idx="0">
+              <a:schemeClr val="accent1"/>
+            </a:effectRef>
+            <a:fontRef idx="minor">
+              <a:schemeClr val="lt1"/>
+            </a:fontRef>
+          </p:style>
+          <p:txBody>
+            <a:bodyPr rtlCol="0" anchor="ctr"/>
+            <a:lstStyle/>
+            <a:p>
+              <a:pPr algn="ctr"/>
+              <a:r>
+                <a:rPr lang="fr-FR" sz="2800" b="1" dirty="0" smtClean="0">
+                  <a:solidFill>
+                    <a:schemeClr val="tx1"/>
+                  </a:solidFill>
+                </a:rPr>
+                <a:t>15</a:t>
+              </a:r>
+              <a:endParaRPr lang="fr-FR" sz="2800" b="1" dirty="0">
+                <a:solidFill>
+                  <a:schemeClr val="tx1"/>
+                </a:solidFill>
+              </a:endParaRPr>
+            </a:p>
+          </p:txBody>
+        </p:sp>
+        <p:sp>
+          <p:nvSpPr>
+            <p:cNvPr id="26" name="Rectangle 25"/>
+            <p:cNvSpPr/>
+            <p:nvPr/>
+          </p:nvSpPr>
+          <p:spPr>
+            <a:xfrm rot="5400000">
+              <a:off x="1628737" y="3400179"/>
+              <a:ext cx="576064" cy="504056"/>
+            </a:xfrm>
+            <a:prstGeom prst="rect">
+              <a:avLst/>
+            </a:prstGeom>
+            <a:solidFill>
+              <a:schemeClr val="bg1"/>
+            </a:solidFill>
+          </p:spPr>
+          <p:style>
+            <a:lnRef idx="2">
+              <a:schemeClr val="accent1">
+                <a:shade val="50000"/>
+              </a:schemeClr>
+            </a:lnRef>
+            <a:fillRef idx="1">
+              <a:schemeClr val="accent1"/>
+            </a:fillRef>
+            <a:effectRef idx="0">
+              <a:schemeClr val="accent1"/>
+            </a:effectRef>
+            <a:fontRef idx="minor">
+              <a:schemeClr val="lt1"/>
+            </a:fontRef>
+          </p:style>
+          <p:txBody>
+            <a:bodyPr rtlCol="0" anchor="ctr"/>
+            <a:lstStyle/>
+            <a:p>
+              <a:pPr algn="ctr"/>
+              <a:r>
+                <a:rPr lang="fr-FR" sz="2800" b="1" dirty="0" smtClean="0">
+                  <a:solidFill>
+                    <a:schemeClr val="tx1"/>
+                  </a:solidFill>
+                </a:rPr>
+                <a:t>16</a:t>
+              </a:r>
+              <a:endParaRPr lang="fr-FR" sz="2800" b="1" dirty="0">
+                <a:solidFill>
+                  <a:schemeClr val="tx1"/>
+                </a:solidFill>
+              </a:endParaRPr>
+            </a:p>
+          </p:txBody>
+        </p:sp>
+        <p:sp>
+          <p:nvSpPr>
+            <p:cNvPr id="27" name="Rectangle 26"/>
+            <p:cNvSpPr/>
+            <p:nvPr/>
+          </p:nvSpPr>
+          <p:spPr>
+            <a:xfrm rot="5400000">
+              <a:off x="1615356" y="4052253"/>
+              <a:ext cx="576064" cy="504056"/>
+            </a:xfrm>
+            <a:prstGeom prst="rect">
+              <a:avLst/>
+            </a:prstGeom>
+            <a:solidFill>
+              <a:schemeClr val="bg1"/>
+            </a:solidFill>
+          </p:spPr>
+          <p:style>
+            <a:lnRef idx="2">
+              <a:schemeClr val="accent1">
+                <a:shade val="50000"/>
+              </a:schemeClr>
+            </a:lnRef>
+            <a:fillRef idx="1">
+              <a:schemeClr val="accent1"/>
+            </a:fillRef>
+            <a:effectRef idx="0">
+              <a:schemeClr val="accent1"/>
+            </a:effectRef>
+            <a:fontRef idx="minor">
+              <a:schemeClr val="lt1"/>
+            </a:fontRef>
+          </p:style>
+          <p:txBody>
+            <a:bodyPr rtlCol="0" anchor="ctr"/>
+            <a:lstStyle/>
+            <a:p>
+              <a:pPr algn="ctr"/>
+              <a:r>
+                <a:rPr lang="fr-FR" sz="2800" b="1" dirty="0" smtClean="0">
+                  <a:solidFill>
+                    <a:schemeClr val="tx1"/>
+                  </a:solidFill>
+                </a:rPr>
+                <a:t>17</a:t>
+              </a:r>
+              <a:endParaRPr lang="fr-FR" sz="2800" b="1" dirty="0">
+                <a:solidFill>
+                  <a:schemeClr val="tx1"/>
+                </a:solidFill>
+              </a:endParaRPr>
+            </a:p>
+          </p:txBody>
+        </p:sp>
+        <p:sp>
+          <p:nvSpPr>
+            <p:cNvPr id="29" name="Rectangle 28"/>
+            <p:cNvSpPr/>
+            <p:nvPr/>
+          </p:nvSpPr>
+          <p:spPr>
+            <a:xfrm rot="5400000">
+              <a:off x="1628737" y="5396595"/>
+              <a:ext cx="576064" cy="504056"/>
+            </a:xfrm>
+            <a:prstGeom prst="rect">
+              <a:avLst/>
+            </a:prstGeom>
+            <a:solidFill>
+              <a:schemeClr val="bg1"/>
+            </a:solidFill>
+          </p:spPr>
+          <p:style>
+            <a:lnRef idx="2">
+              <a:schemeClr val="accent1">
+                <a:shade val="50000"/>
+              </a:schemeClr>
+            </a:lnRef>
+            <a:fillRef idx="1">
+              <a:schemeClr val="accent1"/>
+            </a:fillRef>
+            <a:effectRef idx="0">
+              <a:schemeClr val="accent1"/>
+            </a:effectRef>
+            <a:fontRef idx="minor">
+              <a:schemeClr val="lt1"/>
+            </a:fontRef>
+          </p:style>
+          <p:txBody>
+            <a:bodyPr rtlCol="0" anchor="ctr"/>
+            <a:lstStyle/>
+            <a:p>
+              <a:pPr algn="ctr"/>
+              <a:r>
+                <a:rPr lang="fr-FR" sz="2800" b="1" dirty="0" smtClean="0">
+                  <a:solidFill>
+                    <a:schemeClr val="tx1"/>
+                  </a:solidFill>
+                </a:rPr>
+                <a:t>19</a:t>
+              </a:r>
+              <a:endParaRPr lang="fr-FR" sz="2800" b="1" dirty="0">
+                <a:solidFill>
+                  <a:schemeClr val="tx1"/>
+                </a:solidFill>
+              </a:endParaRPr>
+            </a:p>
+          </p:txBody>
+        </p:sp>
+        <p:sp>
+          <p:nvSpPr>
+            <p:cNvPr id="30" name="Rectangle 29"/>
+            <p:cNvSpPr/>
+            <p:nvPr/>
+          </p:nvSpPr>
+          <p:spPr>
+            <a:xfrm rot="5400000">
+              <a:off x="1608458" y="6075153"/>
+              <a:ext cx="576064" cy="504056"/>
+            </a:xfrm>
+            <a:prstGeom prst="rect">
+              <a:avLst/>
+            </a:prstGeom>
+            <a:solidFill>
+              <a:schemeClr val="bg1"/>
+            </a:solidFill>
+          </p:spPr>
+          <p:style>
+            <a:lnRef idx="2">
+              <a:schemeClr val="accent1">
+                <a:shade val="50000"/>
+              </a:schemeClr>
+            </a:lnRef>
+            <a:fillRef idx="1">
+              <a:schemeClr val="accent1"/>
+            </a:fillRef>
+            <a:effectRef idx="0">
+              <a:schemeClr val="accent1"/>
+            </a:effectRef>
+            <a:fontRef idx="minor">
+              <a:schemeClr val="lt1"/>
+            </a:fontRef>
+          </p:style>
+          <p:txBody>
+            <a:bodyPr rtlCol="0" anchor="ctr"/>
+            <a:lstStyle/>
+            <a:p>
+              <a:pPr algn="ctr"/>
+              <a:r>
+                <a:rPr lang="fr-FR" sz="2800" b="1" dirty="0" smtClean="0">
+                  <a:solidFill>
+                    <a:schemeClr val="tx1"/>
+                  </a:solidFill>
+                </a:rPr>
+                <a:t>20</a:t>
+              </a:r>
+              <a:endParaRPr lang="fr-FR" sz="2800" b="1" dirty="0">
+                <a:solidFill>
+                  <a:schemeClr val="tx1"/>
+                </a:solidFill>
+              </a:endParaRPr>
+            </a:p>
+          </p:txBody>
+        </p:sp>
+        <p:sp>
+          <p:nvSpPr>
+            <p:cNvPr id="34" name="Rectangle 33"/>
+            <p:cNvSpPr/>
+            <p:nvPr/>
+          </p:nvSpPr>
+          <p:spPr>
+            <a:xfrm rot="5400000">
+              <a:off x="1628737" y="4712010"/>
+              <a:ext cx="576064" cy="504056"/>
+            </a:xfrm>
+            <a:prstGeom prst="rect">
+              <a:avLst/>
+            </a:prstGeom>
+            <a:solidFill>
+              <a:schemeClr val="bg1"/>
+            </a:solidFill>
+          </p:spPr>
+          <p:style>
+            <a:lnRef idx="2">
+              <a:schemeClr val="accent1">
+                <a:shade val="50000"/>
+              </a:schemeClr>
+            </a:lnRef>
+            <a:fillRef idx="1">
+              <a:schemeClr val="accent1"/>
+            </a:fillRef>
+            <a:effectRef idx="0">
+              <a:schemeClr val="accent1"/>
+            </a:effectRef>
+            <a:fontRef idx="minor">
+              <a:schemeClr val="lt1"/>
+            </a:fontRef>
+          </p:style>
+          <p:txBody>
+            <a:bodyPr rtlCol="0" anchor="ctr"/>
+            <a:lstStyle/>
+            <a:p>
+              <a:pPr algn="ctr"/>
+              <a:r>
+                <a:rPr lang="fr-FR" sz="2800" b="1" dirty="0" smtClean="0">
+                  <a:solidFill>
+                    <a:schemeClr val="tx1"/>
+                  </a:solidFill>
+                </a:rPr>
+                <a:t>18</a:t>
+              </a:r>
+              <a:endParaRPr lang="fr-FR" sz="2800" b="1" dirty="0">
+                <a:solidFill>
+                  <a:schemeClr val="tx1"/>
+                </a:solidFill>
+              </a:endParaRPr>
+            </a:p>
+          </p:txBody>
+        </p:sp>
+      </p:grpSp>
+      <p:sp>
+        <p:nvSpPr>
+          <p:cNvPr id="61" name="Rectangle 60"/>
           <p:cNvSpPr/>
           <p:nvPr/>
         </p:nvSpPr>
         <p:spPr>
           <a:xfrm rot="5400000">
-            <a:off x="-1584684" y="1823732"/>
-            <a:ext cx="5904656" cy="2376264"/>
+            <a:off x="3707904" y="1412776"/>
+            <a:ext cx="6696744" cy="3960440"/>
           </a:xfrm>
           <a:prstGeom prst="rect">
             <a:avLst/>
           </a:prstGeom>
+          <a:solidFill>
+            <a:schemeClr val="bg2">
+              <a:lumMod val="75000"/>
+            </a:schemeClr>
+          </a:solidFill>
         </p:spPr>
         <p:style>
           <a:lnRef idx="2">
@@ -3288,7 +4422,7 @@
           <a:p>
             <a:r>
               <a:rPr lang="fr-FR" dirty="0" smtClean="0"/>
-              <a:t>Points de vie</a:t>
+              <a:t>Cartes </a:t>
             </a:r>
             <a:endParaRPr lang="fr-FR" dirty="0"/>
           </a:p>
@@ -3296,20 +4430,22 @@
       </p:sp>
       <p:sp>
         <p:nvSpPr>
-          <p:cNvPr id="11" name="Rectangle 10"/>
+          <p:cNvPr id="73" name="Rectangle 72"/>
           <p:cNvSpPr/>
           <p:nvPr/>
         </p:nvSpPr>
         <p:spPr>
           <a:xfrm rot="5400000">
-            <a:off x="1552621" y="182460"/>
-            <a:ext cx="576064" cy="504056"/>
+            <a:off x="-2619081" y="2737783"/>
+            <a:ext cx="6603241" cy="1294091"/>
           </a:xfrm>
           <a:prstGeom prst="rect">
             <a:avLst/>
           </a:prstGeom>
           <a:solidFill>
-            <a:schemeClr val="bg1"/>
+            <a:schemeClr val="accent3">
+              <a:lumMod val="75000"/>
+            </a:schemeClr>
           </a:solidFill>
         </p:spPr>
         <p:style>
@@ -3329,36 +4465,45 @@
           </a:fontRef>
         </p:style>
         <p:txBody>
-          <a:bodyPr rtlCol="0" anchor="ctr"/>
-          <a:lstStyle/>
-          <a:p>
-            <a:pPr algn="ctr"/>
-            <a:r>
-              <a:rPr lang="fr-FR" sz="2800" b="1" dirty="0" smtClean="0">
-                <a:solidFill>
-                  <a:schemeClr val="tx1"/>
-                </a:solidFill>
-              </a:rPr>
-              <a:t>1</a:t>
-            </a:r>
-            <a:endParaRPr lang="fr-FR" sz="2800" b="1" dirty="0">
-              <a:solidFill>
-                <a:schemeClr val="tx1"/>
-              </a:solidFill>
-            </a:endParaRPr>
-          </a:p>
-        </p:txBody>
-      </p:sp>
-      <p:sp>
-        <p:nvSpPr>
-          <p:cNvPr id="12" name="Rectangle 11"/>
+          <a:bodyPr rtlCol="0" anchor="t"/>
+          <a:lstStyle/>
+          <a:p>
+            <a:r>
+              <a:rPr lang="fr-FR" dirty="0" smtClean="0"/>
+              <a:t>    Tour</a:t>
+            </a:r>
+          </a:p>
+          <a:p>
+            <a:r>
+              <a:rPr lang="fr-FR" dirty="0" smtClean="0"/>
+              <a:t>    Actions</a:t>
+            </a:r>
+          </a:p>
+          <a:p>
+            <a:r>
+              <a:rPr lang="fr-FR" dirty="0" smtClean="0"/>
+              <a:t>    Tour</a:t>
+            </a:r>
+          </a:p>
+          <a:p>
+            <a:r>
+              <a:rPr lang="fr-FR" smtClean="0"/>
+              <a:t>    Action</a:t>
+            </a:r>
+            <a:endParaRPr lang="fr-FR" dirty="0"/>
+          </a:p>
+        </p:txBody>
+      </p:sp>
+      <p:sp>
+        <p:nvSpPr>
+          <p:cNvPr id="75" name="Rectangle 74"/>
           <p:cNvSpPr/>
           <p:nvPr/>
         </p:nvSpPr>
         <p:spPr>
           <a:xfrm rot="5400000">
-            <a:off x="1576770" y="910924"/>
-            <a:ext cx="576064" cy="504056"/>
+            <a:off x="4989065" y="275631"/>
+            <a:ext cx="2034480" cy="1716482"/>
           </a:xfrm>
           <a:prstGeom prst="rect">
             <a:avLst/>
@@ -3389,14 +4534,14 @@
           <a:p>
             <a:pPr algn="ctr"/>
             <a:r>
-              <a:rPr lang="fr-FR" sz="2800" b="1" dirty="0" smtClean="0">
+              <a:rPr lang="fr-FR" sz="4800" b="1" dirty="0" smtClean="0">
                 <a:solidFill>
                   <a:schemeClr val="tx1"/>
                 </a:solidFill>
               </a:rPr>
-              <a:t>2</a:t>
-            </a:r>
-            <a:endParaRPr lang="fr-FR" sz="2800" b="1" dirty="0">
+              <a:t>4</a:t>
+            </a:r>
+            <a:endParaRPr lang="fr-FR" sz="4800" b="1" dirty="0">
               <a:solidFill>
                 <a:schemeClr val="tx1"/>
               </a:solidFill>
@@ -3406,14 +4551,14 @@
       </p:sp>
       <p:sp>
         <p:nvSpPr>
-          <p:cNvPr id="13" name="Rectangle 12"/>
+          <p:cNvPr id="80" name="Rectangle 79"/>
           <p:cNvSpPr/>
           <p:nvPr/>
         </p:nvSpPr>
         <p:spPr>
           <a:xfrm rot="5400000">
-            <a:off x="1576771" y="1622621"/>
-            <a:ext cx="576064" cy="504056"/>
+            <a:off x="3212712" y="698291"/>
+            <a:ext cx="491316" cy="360040"/>
           </a:xfrm>
           <a:prstGeom prst="rect">
             <a:avLst/>
@@ -3444,31 +4589,26 @@
           <a:p>
             <a:pPr algn="ctr"/>
             <a:r>
-              <a:rPr lang="fr-FR" sz="2800" b="1" dirty="0" smtClean="0">
+              <a:rPr lang="fr-FR" sz="2000" b="1" dirty="0">
                 <a:solidFill>
                   <a:schemeClr val="tx1"/>
                 </a:solidFill>
               </a:rPr>
-              <a:t>3</a:t>
-            </a:r>
-            <a:endParaRPr lang="fr-FR" sz="2800" b="1" dirty="0">
-              <a:solidFill>
-                <a:schemeClr val="tx1"/>
-              </a:solidFill>
-            </a:endParaRPr>
-          </a:p>
-        </p:txBody>
-      </p:sp>
-      <p:sp>
-        <p:nvSpPr>
-          <p:cNvPr id="14" name="Rectangle 13"/>
+              <a:t>1</a:t>
+            </a:r>
+          </a:p>
+        </p:txBody>
+      </p:sp>
+      <p:sp>
+        <p:nvSpPr>
+          <p:cNvPr id="81" name="Rectangle 80"/>
           <p:cNvSpPr/>
           <p:nvPr/>
         </p:nvSpPr>
         <p:spPr>
           <a:xfrm rot="5400000">
-            <a:off x="1583668" y="2342700"/>
-            <a:ext cx="576064" cy="504056"/>
+            <a:off x="3219789" y="1222164"/>
+            <a:ext cx="478571" cy="358630"/>
           </a:xfrm>
           <a:prstGeom prst="rect">
             <a:avLst/>
@@ -3499,32 +4639,95 @@
           <a:p>
             <a:pPr algn="ctr"/>
             <a:r>
-              <a:rPr lang="fr-FR" sz="2800" b="1" dirty="0">
+              <a:rPr lang="fr-FR" sz="2000" b="1" dirty="0">
                 <a:solidFill>
                   <a:schemeClr val="tx1"/>
                 </a:solidFill>
               </a:rPr>
-              <a:t>4</a:t>
-            </a:r>
-          </a:p>
-        </p:txBody>
-      </p:sp>
-      <p:sp>
-        <p:nvSpPr>
-          <p:cNvPr id="15" name="Rectangle 14"/>
-          <p:cNvSpPr/>
+              <a:t>3</a:t>
+            </a:r>
+          </a:p>
+        </p:txBody>
+      </p:sp>
+      <p:sp>
+        <p:nvSpPr>
+          <p:cNvPr id="82" name="ZoneTexte 81"/>
+          <p:cNvSpPr txBox="1"/>
           <p:nvPr/>
         </p:nvSpPr>
         <p:spPr>
-          <a:xfrm rot="5400000">
-            <a:off x="1583668" y="3062780"/>
-            <a:ext cx="576064" cy="504056"/>
+          <a:xfrm rot="10800000">
+            <a:off x="3644673" y="2012612"/>
+            <a:ext cx="461152" cy="276999"/>
           </a:xfrm>
           <a:prstGeom prst="rect">
             <a:avLst/>
           </a:prstGeom>
-          <a:solidFill>
-            <a:schemeClr val="bg1"/>
+          <a:noFill/>
+        </p:spPr>
+        <p:txBody>
+          <a:bodyPr wrap="none" rtlCol="0">
+            <a:spAutoFit/>
+          </a:bodyPr>
+          <a:lstStyle/>
+          <a:p>
+            <a:r>
+              <a:rPr lang="fr-FR" sz="1200" dirty="0" smtClean="0"/>
+              <a:t>Tour</a:t>
+            </a:r>
+            <a:endParaRPr lang="fr-FR" sz="1200" dirty="0"/>
+          </a:p>
+        </p:txBody>
+      </p:sp>
+      <p:sp>
+        <p:nvSpPr>
+          <p:cNvPr id="83" name="ZoneTexte 82"/>
+          <p:cNvSpPr txBox="1"/>
+          <p:nvPr/>
+        </p:nvSpPr>
+        <p:spPr>
+          <a:xfrm rot="10800000">
+            <a:off x="3644673" y="2577644"/>
+            <a:ext cx="588623" cy="276999"/>
+          </a:xfrm>
+          <a:prstGeom prst="rect">
+            <a:avLst/>
+          </a:prstGeom>
+          <a:noFill/>
+        </p:spPr>
+        <p:txBody>
+          <a:bodyPr wrap="none" rtlCol="0">
+            <a:spAutoFit/>
+          </a:bodyPr>
+          <a:lstStyle/>
+          <a:p>
+            <a:r>
+              <a:rPr lang="fr-FR" sz="1200" dirty="0" smtClean="0"/>
+              <a:t>Action</a:t>
+            </a:r>
+            <a:endParaRPr lang="fr-FR" sz="1200" dirty="0"/>
+          </a:p>
+        </p:txBody>
+      </p:sp>
+      <p:sp>
+        <p:nvSpPr>
+          <p:cNvPr id="119" name="Rectangle 118"/>
+          <p:cNvSpPr/>
+          <p:nvPr/>
+        </p:nvSpPr>
+        <p:spPr>
+          <a:xfrm rot="5400000">
+            <a:off x="758057" y="2569879"/>
+            <a:ext cx="6689290" cy="1653691"/>
+          </a:xfrm>
+          <a:prstGeom prst="rect">
+            <a:avLst/>
+          </a:prstGeom>
+          <a:solidFill>
+            <a:schemeClr val="accent4">
+              <a:lumMod val="60000"/>
+              <a:lumOff val="40000"/>
+            </a:schemeClr>
           </a:solidFill>
         </p:spPr>
         <p:style>
@@ -3544,35 +4747,26 @@
           </a:fontRef>
         </p:style>
         <p:txBody>
-          <a:bodyPr rtlCol="0" anchor="ctr"/>
-          <a:lstStyle/>
-          <a:p>
-            <a:pPr algn="ctr"/>
-            <a:r>
-              <a:rPr lang="fr-FR" sz="2800" b="1" dirty="0" smtClean="0">
-                <a:solidFill>
-                  <a:schemeClr val="tx1"/>
-                </a:solidFill>
-              </a:rPr>
-              <a:t>5</a:t>
-            </a:r>
-            <a:endParaRPr lang="fr-FR" sz="2800" b="1" dirty="0">
-              <a:solidFill>
-                <a:schemeClr val="tx1"/>
-              </a:solidFill>
-            </a:endParaRPr>
-          </a:p>
-        </p:txBody>
-      </p:sp>
-      <p:sp>
-        <p:nvSpPr>
-          <p:cNvPr id="16" name="Rectangle 15"/>
+          <a:bodyPr rtlCol="0" anchor="t"/>
+          <a:lstStyle/>
+          <a:p>
+            <a:r>
+              <a:rPr lang="fr-FR" dirty="0" smtClean="0"/>
+              <a:t>Actions</a:t>
+            </a:r>
+            <a:endParaRPr lang="fr-FR" dirty="0"/>
+          </a:p>
+        </p:txBody>
+      </p:sp>
+      <p:sp>
+        <p:nvSpPr>
+          <p:cNvPr id="120" name="Rectangle 119"/>
           <p:cNvSpPr/>
           <p:nvPr/>
         </p:nvSpPr>
         <p:spPr>
           <a:xfrm rot="5400000">
-            <a:off x="1576770" y="3782860"/>
+            <a:off x="4000893" y="4161610"/>
             <a:ext cx="576064" cy="504056"/>
           </a:xfrm>
           <a:prstGeom prst="rect">
@@ -3609,7 +4803,7 @@
                   <a:schemeClr val="tx1"/>
                 </a:solidFill>
               </a:rPr>
-              <a:t>6</a:t>
+              <a:t>1</a:t>
             </a:r>
             <a:endParaRPr lang="fr-FR" sz="2800" b="1" dirty="0">
               <a:solidFill>
@@ -3621,13 +4815,13 @@
       </p:sp>
       <p:sp>
         <p:nvSpPr>
-          <p:cNvPr id="17" name="Rectangle 16"/>
+          <p:cNvPr id="121" name="Rectangle 120"/>
           <p:cNvSpPr/>
           <p:nvPr/>
         </p:nvSpPr>
         <p:spPr>
           <a:xfrm rot="5400000">
-            <a:off x="1568143" y="4502940"/>
+            <a:off x="4016415" y="4818244"/>
             <a:ext cx="576064" cy="504056"/>
           </a:xfrm>
           <a:prstGeom prst="rect">
@@ -3664,7 +4858,7 @@
                   <a:schemeClr val="tx1"/>
                 </a:solidFill>
               </a:rPr>
-              <a:t>7</a:t>
+              <a:t>2</a:t>
             </a:r>
             <a:endParaRPr lang="fr-FR" sz="2800" b="1" dirty="0">
               <a:solidFill>
@@ -3676,13 +4870,13 @@
       </p:sp>
       <p:sp>
         <p:nvSpPr>
-          <p:cNvPr id="18" name="Rectangle 17"/>
+          <p:cNvPr id="122" name="Rectangle 121"/>
           <p:cNvSpPr/>
           <p:nvPr/>
         </p:nvSpPr>
         <p:spPr>
           <a:xfrm rot="5400000">
-            <a:off x="1552621" y="5295028"/>
+            <a:off x="4031940" y="5490356"/>
             <a:ext cx="576064" cy="504056"/>
           </a:xfrm>
           <a:prstGeom prst="rect">
@@ -3719,7 +4913,7 @@
                   <a:schemeClr val="tx1"/>
                 </a:solidFill>
               </a:rPr>
-              <a:t>8</a:t>
+              <a:t>3</a:t>
             </a:r>
             <a:endParaRPr lang="fr-FR" sz="2800" b="1" dirty="0">
               <a:solidFill>
@@ -3731,13 +4925,13 @@
       </p:sp>
       <p:sp>
         <p:nvSpPr>
-          <p:cNvPr id="19" name="Rectangle 18"/>
+          <p:cNvPr id="123" name="Rectangle 122"/>
           <p:cNvSpPr/>
           <p:nvPr/>
         </p:nvSpPr>
         <p:spPr>
           <a:xfrm rot="5400000">
-            <a:off x="905439" y="182460"/>
+            <a:off x="4025043" y="6149997"/>
             <a:ext cx="576064" cy="504056"/>
           </a:xfrm>
           <a:prstGeom prst="rect">
@@ -3769,30 +4963,25 @@
           <a:p>
             <a:pPr algn="ctr"/>
             <a:r>
-              <a:rPr lang="fr-FR" sz="2800" b="1" dirty="0" smtClean="0">
+              <a:rPr lang="fr-FR" sz="2800" b="1" dirty="0">
                 <a:solidFill>
                   <a:schemeClr val="tx1"/>
                 </a:solidFill>
               </a:rPr>
-              <a:t>9</a:t>
-            </a:r>
-            <a:endParaRPr lang="fr-FR" sz="2800" b="1" dirty="0">
-              <a:solidFill>
-                <a:schemeClr val="tx1"/>
-              </a:solidFill>
-            </a:endParaRPr>
-          </a:p>
-        </p:txBody>
-      </p:sp>
-      <p:sp>
-        <p:nvSpPr>
-          <p:cNvPr id="20" name="Rectangle 19"/>
+              <a:t>4</a:t>
+            </a:r>
+          </a:p>
+        </p:txBody>
+      </p:sp>
+      <p:sp>
+        <p:nvSpPr>
+          <p:cNvPr id="124" name="Rectangle 123"/>
           <p:cNvSpPr/>
           <p:nvPr/>
         </p:nvSpPr>
         <p:spPr>
           <a:xfrm rot="5400000">
-            <a:off x="929588" y="910924"/>
+            <a:off x="3407627" y="223869"/>
             <a:ext cx="576064" cy="504056"/>
           </a:xfrm>
           <a:prstGeom prst="rect">
@@ -3829,7 +5018,7 @@
                   <a:schemeClr val="tx1"/>
                 </a:solidFill>
               </a:rPr>
-              <a:t>10</a:t>
+              <a:t>5</a:t>
             </a:r>
             <a:endParaRPr lang="fr-FR" sz="2800" b="1" dirty="0">
               <a:solidFill>
@@ -3841,13 +5030,13 @@
       </p:sp>
       <p:sp>
         <p:nvSpPr>
-          <p:cNvPr id="21" name="Rectangle 20"/>
+          <p:cNvPr id="125" name="Rectangle 124"/>
           <p:cNvSpPr/>
           <p:nvPr/>
         </p:nvSpPr>
         <p:spPr>
           <a:xfrm rot="5400000">
-            <a:off x="929589" y="1622621"/>
+            <a:off x="3383478" y="871941"/>
             <a:ext cx="576064" cy="504056"/>
           </a:xfrm>
           <a:prstGeom prst="rect">
@@ -3884,7 +5073,7 @@
                   <a:schemeClr val="tx1"/>
                 </a:solidFill>
               </a:rPr>
-              <a:t>11</a:t>
+              <a:t>6</a:t>
             </a:r>
             <a:endParaRPr lang="fr-FR" sz="2800" b="1" dirty="0">
               <a:solidFill>
@@ -3896,13 +5085,13 @@
       </p:sp>
       <p:sp>
         <p:nvSpPr>
-          <p:cNvPr id="22" name="Rectangle 21"/>
+          <p:cNvPr id="126" name="Rectangle 125"/>
           <p:cNvSpPr/>
           <p:nvPr/>
         </p:nvSpPr>
         <p:spPr>
           <a:xfrm rot="5400000">
-            <a:off x="936486" y="2342700"/>
+            <a:off x="3399000" y="1520013"/>
             <a:ext cx="576064" cy="504056"/>
           </a:xfrm>
           <a:prstGeom prst="rect">
@@ -3939,7 +5128,7 @@
                   <a:schemeClr val="tx1"/>
                 </a:solidFill>
               </a:rPr>
-              <a:t>12</a:t>
+              <a:t>7</a:t>
             </a:r>
             <a:endParaRPr lang="fr-FR" sz="2800" b="1" dirty="0">
               <a:solidFill>
@@ -3951,13 +5140,13 @@
       </p:sp>
       <p:sp>
         <p:nvSpPr>
-          <p:cNvPr id="23" name="Rectangle 22"/>
+          <p:cNvPr id="127" name="Rectangle 126"/>
           <p:cNvSpPr/>
           <p:nvPr/>
         </p:nvSpPr>
         <p:spPr>
           <a:xfrm rot="5400000">
-            <a:off x="936486" y="3062780"/>
+            <a:off x="3374107" y="2175542"/>
             <a:ext cx="576064" cy="504056"/>
           </a:xfrm>
           <a:prstGeom prst="rect">
@@ -3994,7 +5183,7 @@
                   <a:schemeClr val="tx1"/>
                 </a:solidFill>
               </a:rPr>
-              <a:t>13</a:t>
+              <a:t>8</a:t>
             </a:r>
             <a:endParaRPr lang="fr-FR" sz="2800" b="1" dirty="0">
               <a:solidFill>
@@ -4006,13 +5195,13 @@
       </p:sp>
       <p:sp>
         <p:nvSpPr>
-          <p:cNvPr id="24" name="Rectangle 23"/>
+          <p:cNvPr id="146" name="Rectangle 145"/>
           <p:cNvSpPr/>
           <p:nvPr/>
         </p:nvSpPr>
         <p:spPr>
           <a:xfrm rot="5400000">
-            <a:off x="929588" y="3782860"/>
+            <a:off x="4025043" y="224644"/>
             <a:ext cx="576064" cy="504056"/>
           </a:xfrm>
           <a:prstGeom prst="rect">
@@ -4049,7 +5238,7 @@
                   <a:schemeClr val="tx1"/>
                 </a:solidFill>
               </a:rPr>
-              <a:t>14</a:t>
+              <a:t>-5</a:t>
             </a:r>
             <a:endParaRPr lang="fr-FR" sz="2800" b="1" dirty="0">
               <a:solidFill>
@@ -4061,13 +5250,13 @@
       </p:sp>
       <p:sp>
         <p:nvSpPr>
-          <p:cNvPr id="25" name="Rectangle 24"/>
+          <p:cNvPr id="147" name="Rectangle 146"/>
           <p:cNvSpPr/>
           <p:nvPr/>
         </p:nvSpPr>
         <p:spPr>
           <a:xfrm rot="5400000">
-            <a:off x="920961" y="4502940"/>
+            <a:off x="4031940" y="872716"/>
             <a:ext cx="576064" cy="504056"/>
           </a:xfrm>
           <a:prstGeom prst="rect">
@@ -4104,7 +5293,7 @@
                   <a:schemeClr val="tx1"/>
                 </a:solidFill>
               </a:rPr>
-              <a:t>15</a:t>
+              <a:t>-4</a:t>
             </a:r>
             <a:endParaRPr lang="fr-FR" sz="2800" b="1" dirty="0">
               <a:solidFill>
@@ -4116,13 +5305,13 @@
       </p:sp>
       <p:sp>
         <p:nvSpPr>
-          <p:cNvPr id="26" name="Rectangle 25"/>
+          <p:cNvPr id="148" name="Rectangle 147"/>
           <p:cNvSpPr/>
           <p:nvPr/>
         </p:nvSpPr>
         <p:spPr>
           <a:xfrm rot="5400000">
-            <a:off x="905439" y="5295028"/>
+            <a:off x="4031940" y="1520788"/>
             <a:ext cx="576064" cy="504056"/>
           </a:xfrm>
           <a:prstGeom prst="rect">
@@ -4159,7 +5348,7 @@
                   <a:schemeClr val="tx1"/>
                 </a:solidFill>
               </a:rPr>
-              <a:t>16</a:t>
+              <a:t>-3</a:t>
             </a:r>
             <a:endParaRPr lang="fr-FR" sz="2800" b="1" dirty="0">
               <a:solidFill>
@@ -4171,13 +5360,13 @@
       </p:sp>
       <p:sp>
         <p:nvSpPr>
-          <p:cNvPr id="27" name="Rectangle 26"/>
+          <p:cNvPr id="149" name="Rectangle 148"/>
           <p:cNvSpPr/>
           <p:nvPr/>
         </p:nvSpPr>
         <p:spPr>
           <a:xfrm rot="5400000">
-            <a:off x="215516" y="167548"/>
+            <a:off x="4025042" y="2168860"/>
             <a:ext cx="576064" cy="504056"/>
           </a:xfrm>
           <a:prstGeom prst="rect">
@@ -4214,7 +5403,7 @@
                   <a:schemeClr val="tx1"/>
                 </a:solidFill>
               </a:rPr>
-              <a:t>17</a:t>
+              <a:t>-2</a:t>
             </a:r>
             <a:endParaRPr lang="fr-FR" sz="2800" b="1" dirty="0">
               <a:solidFill>
@@ -4226,13 +5415,13 @@
       </p:sp>
       <p:sp>
         <p:nvSpPr>
-          <p:cNvPr id="28" name="Rectangle 27"/>
+          <p:cNvPr id="150" name="Rectangle 149"/>
           <p:cNvSpPr/>
           <p:nvPr/>
         </p:nvSpPr>
         <p:spPr>
           <a:xfrm rot="5400000">
-            <a:off x="239665" y="896012"/>
+            <a:off x="4016415" y="2816932"/>
             <a:ext cx="576064" cy="504056"/>
           </a:xfrm>
           <a:prstGeom prst="rect">
@@ -4269,7 +5458,7 @@
                   <a:schemeClr val="tx1"/>
                 </a:solidFill>
               </a:rPr>
-              <a:t>18</a:t>
+              <a:t>-1</a:t>
             </a:r>
             <a:endParaRPr lang="fr-FR" sz="2800" b="1" dirty="0">
               <a:solidFill>
@@ -4281,13 +5470,13 @@
       </p:sp>
       <p:sp>
         <p:nvSpPr>
-          <p:cNvPr id="29" name="Rectangle 28"/>
+          <p:cNvPr id="151" name="Rectangle 150"/>
           <p:cNvSpPr/>
           <p:nvPr/>
         </p:nvSpPr>
         <p:spPr>
           <a:xfrm rot="5400000">
-            <a:off x="239666" y="1607709"/>
+            <a:off x="4000893" y="3465004"/>
             <a:ext cx="576064" cy="504056"/>
           </a:xfrm>
           <a:prstGeom prst="rect">
@@ -4319,30 +5508,25 @@
           <a:p>
             <a:pPr algn="ctr"/>
             <a:r>
-              <a:rPr lang="fr-FR" sz="2800" b="1" dirty="0" smtClean="0">
+              <a:rPr lang="fr-FR" sz="2800" b="1" dirty="0">
                 <a:solidFill>
                   <a:schemeClr val="tx1"/>
                 </a:solidFill>
               </a:rPr>
-              <a:t>19</a:t>
-            </a:r>
-            <a:endParaRPr lang="fr-FR" sz="2800" b="1" dirty="0">
-              <a:solidFill>
-                <a:schemeClr val="tx1"/>
-              </a:solidFill>
-            </a:endParaRPr>
-          </a:p>
-        </p:txBody>
-      </p:sp>
-      <p:sp>
-        <p:nvSpPr>
-          <p:cNvPr id="30" name="Rectangle 29"/>
+              <a:t>0</a:t>
+            </a:r>
+          </a:p>
+        </p:txBody>
+      </p:sp>
+      <p:sp>
+        <p:nvSpPr>
+          <p:cNvPr id="188" name="Rectangle 187"/>
           <p:cNvSpPr/>
           <p:nvPr/>
         </p:nvSpPr>
         <p:spPr>
           <a:xfrm rot="5400000">
-            <a:off x="246563" y="2327788"/>
+            <a:off x="3370129" y="2816157"/>
             <a:ext cx="576064" cy="504056"/>
           </a:xfrm>
           <a:prstGeom prst="rect">
@@ -4379,7 +5563,7 @@
                   <a:schemeClr val="tx1"/>
                 </a:solidFill>
               </a:rPr>
-              <a:t>20</a:t>
+              <a:t>9</a:t>
             </a:r>
             <a:endParaRPr lang="fr-FR" sz="2800" b="1" dirty="0">
               <a:solidFill>
@@ -4391,13 +5575,13 @@
       </p:sp>
       <p:sp>
         <p:nvSpPr>
-          <p:cNvPr id="31" name="Rectangle 30"/>
+          <p:cNvPr id="189" name="Rectangle 188"/>
           <p:cNvSpPr/>
           <p:nvPr/>
         </p:nvSpPr>
         <p:spPr>
           <a:xfrm rot="5400000">
-            <a:off x="246563" y="3047868"/>
+            <a:off x="3345076" y="3464229"/>
             <a:ext cx="576064" cy="504056"/>
           </a:xfrm>
           <a:prstGeom prst="rect">
@@ -4434,7 +5618,7 @@
                   <a:schemeClr val="tx1"/>
                 </a:solidFill>
               </a:rPr>
-              <a:t>21</a:t>
+              <a:t>10</a:t>
             </a:r>
             <a:endParaRPr lang="fr-FR" sz="2800" b="1" dirty="0">
               <a:solidFill>
@@ -4446,13 +5630,13 @@
       </p:sp>
       <p:sp>
         <p:nvSpPr>
-          <p:cNvPr id="32" name="Rectangle 31"/>
+          <p:cNvPr id="190" name="Rectangle 189"/>
           <p:cNvSpPr/>
           <p:nvPr/>
         </p:nvSpPr>
         <p:spPr>
           <a:xfrm rot="5400000">
-            <a:off x="239665" y="3767948"/>
+            <a:off x="3335189" y="4175747"/>
             <a:ext cx="576064" cy="504056"/>
           </a:xfrm>
           <a:prstGeom prst="rect">
@@ -4489,7 +5673,7 @@
                   <a:schemeClr val="tx1"/>
                 </a:solidFill>
               </a:rPr>
-              <a:t>22</a:t>
+              <a:t>11</a:t>
             </a:r>
             <a:endParaRPr lang="fr-FR" sz="2800" b="1" dirty="0">
               <a:solidFill>
@@ -4501,13 +5685,13 @@
       </p:sp>
       <p:sp>
         <p:nvSpPr>
-          <p:cNvPr id="33" name="Rectangle 32"/>
+          <p:cNvPr id="191" name="Rectangle 190"/>
           <p:cNvSpPr/>
           <p:nvPr/>
         </p:nvSpPr>
         <p:spPr>
           <a:xfrm rot="5400000">
-            <a:off x="231038" y="4488028"/>
+            <a:off x="3335189" y="4833156"/>
             <a:ext cx="576064" cy="504056"/>
           </a:xfrm>
           <a:prstGeom prst="rect">
@@ -4544,7 +5728,7 @@
                   <a:schemeClr val="tx1"/>
                 </a:solidFill>
               </a:rPr>
-              <a:t>23</a:t>
+              <a:t>12</a:t>
             </a:r>
             <a:endParaRPr lang="fr-FR" sz="2800" b="1" dirty="0">
               <a:solidFill>
@@ -4556,13 +5740,13 @@
       </p:sp>
       <p:sp>
         <p:nvSpPr>
-          <p:cNvPr id="34" name="Rectangle 33"/>
+          <p:cNvPr id="192" name="Rectangle 191"/>
           <p:cNvSpPr/>
           <p:nvPr/>
         </p:nvSpPr>
         <p:spPr>
           <a:xfrm rot="5400000">
-            <a:off x="215516" y="5280116"/>
+            <a:off x="3335189" y="5490356"/>
             <a:ext cx="576064" cy="504056"/>
           </a:xfrm>
           <a:prstGeom prst="rect">
@@ -4599,7 +5783,7 @@
                   <a:schemeClr val="tx1"/>
                 </a:solidFill>
               </a:rPr>
-              <a:t>24</a:t>
+              <a:t>13</a:t>
             </a:r>
             <a:endParaRPr lang="fr-FR" sz="2800" b="1" dirty="0">
               <a:solidFill>
@@ -4611,22 +5795,20 @@
       </p:sp>
       <p:sp>
         <p:nvSpPr>
-          <p:cNvPr id="35" name="Rectangle 34"/>
+          <p:cNvPr id="193" name="Rectangle 192"/>
           <p:cNvSpPr/>
           <p:nvPr/>
         </p:nvSpPr>
         <p:spPr>
           <a:xfrm rot="5400000">
-            <a:off x="935596" y="1823732"/>
-            <a:ext cx="5904656" cy="2376264"/>
+            <a:off x="3345077" y="6157955"/>
+            <a:ext cx="576064" cy="504056"/>
           </a:xfrm>
           <a:prstGeom prst="rect">
             <a:avLst/>
           </a:prstGeom>
           <a:solidFill>
-            <a:schemeClr val="accent6">
-              <a:lumMod val="75000"/>
-            </a:schemeClr>
+            <a:schemeClr val="bg1"/>
           </a:solidFill>
         </p:spPr>
         <p:style>
@@ -4646,27 +5828,36 @@
           </a:fontRef>
         </p:style>
         <p:txBody>
-          <a:bodyPr rtlCol="0" anchor="t"/>
-          <a:lstStyle/>
-          <a:p>
-            <a:r>
-              <a:rPr lang="fr-FR" dirty="0" smtClean="0"/>
-              <a:t>Actions </a:t>
-            </a:r>
-            <a:endParaRPr lang="fr-FR" dirty="0"/>
-          </a:p>
-        </p:txBody>
-      </p:sp>
-      <p:sp>
-        <p:nvSpPr>
-          <p:cNvPr id="36" name="Rectangle 35"/>
+          <a:bodyPr rtlCol="0" anchor="ctr"/>
+          <a:lstStyle/>
+          <a:p>
+            <a:pPr algn="ctr"/>
+            <a:r>
+              <a:rPr lang="fr-FR" sz="2800" b="1" dirty="0" smtClean="0">
+                <a:solidFill>
+                  <a:schemeClr val="tx1"/>
+                </a:solidFill>
+              </a:rPr>
+              <a:t>14</a:t>
+            </a:r>
+            <a:endParaRPr lang="fr-FR" sz="2800" b="1" dirty="0">
+              <a:solidFill>
+                <a:schemeClr val="tx1"/>
+              </a:solidFill>
+            </a:endParaRPr>
+          </a:p>
+        </p:txBody>
+      </p:sp>
+      <p:sp>
+        <p:nvSpPr>
+          <p:cNvPr id="137" name="Rectangle 136"/>
           <p:cNvSpPr/>
           <p:nvPr/>
         </p:nvSpPr>
         <p:spPr>
           <a:xfrm rot="5400000">
-            <a:off x="4072901" y="167548"/>
-            <a:ext cx="576064" cy="504056"/>
+            <a:off x="4925844" y="2480835"/>
+            <a:ext cx="2169159" cy="1724720"/>
           </a:xfrm>
           <a:prstGeom prst="rect">
             <a:avLst/>
@@ -4697,26 +5888,31 @@
           <a:p>
             <a:pPr algn="ctr"/>
             <a:r>
-              <a:rPr lang="fr-FR" sz="2800" b="1" dirty="0">
+              <a:rPr lang="fr-FR" sz="4800" b="1" dirty="0">
                 <a:solidFill>
                   <a:schemeClr val="tx1"/>
                 </a:solidFill>
               </a:rPr>
-              <a:t>1</a:t>
-            </a:r>
-          </a:p>
-        </p:txBody>
-      </p:sp>
-      <p:sp>
-        <p:nvSpPr>
-          <p:cNvPr id="37" name="Rectangle 36"/>
+              <a:t>5</a:t>
+            </a:r>
+            <a:endParaRPr lang="fr-FR" sz="4800" b="1" dirty="0">
+              <a:solidFill>
+                <a:schemeClr val="tx1"/>
+              </a:solidFill>
+            </a:endParaRPr>
+          </a:p>
+        </p:txBody>
+      </p:sp>
+      <p:sp>
+        <p:nvSpPr>
+          <p:cNvPr id="138" name="Rectangle 137"/>
           <p:cNvSpPr/>
           <p:nvPr/>
         </p:nvSpPr>
         <p:spPr>
           <a:xfrm rot="5400000">
-            <a:off x="4097050" y="896012"/>
-            <a:ext cx="576064" cy="504056"/>
+            <a:off x="4926943" y="4730242"/>
+            <a:ext cx="2177328" cy="1735085"/>
           </a:xfrm>
           <a:prstGeom prst="rect">
             <a:avLst/>
@@ -4747,26 +5943,31 @@
           <a:p>
             <a:pPr algn="ctr"/>
             <a:r>
-              <a:rPr lang="fr-FR" sz="2800" b="1" dirty="0">
+              <a:rPr lang="fr-FR" sz="4800" b="1" dirty="0">
                 <a:solidFill>
                   <a:schemeClr val="tx1"/>
                 </a:solidFill>
               </a:rPr>
-              <a:t>2</a:t>
-            </a:r>
-          </a:p>
-        </p:txBody>
-      </p:sp>
-      <p:sp>
-        <p:nvSpPr>
-          <p:cNvPr id="38" name="Rectangle 37"/>
+              <a:t>6</a:t>
+            </a:r>
+            <a:endParaRPr lang="fr-FR" sz="4800" b="1" dirty="0">
+              <a:solidFill>
+                <a:schemeClr val="tx1"/>
+              </a:solidFill>
+            </a:endParaRPr>
+          </a:p>
+        </p:txBody>
+      </p:sp>
+      <p:sp>
+        <p:nvSpPr>
+          <p:cNvPr id="139" name="Rectangle 138"/>
           <p:cNvSpPr/>
           <p:nvPr/>
         </p:nvSpPr>
         <p:spPr>
           <a:xfrm rot="5400000">
-            <a:off x="4097051" y="1607709"/>
-            <a:ext cx="576064" cy="504056"/>
+            <a:off x="6851896" y="341464"/>
+            <a:ext cx="2034480" cy="1614639"/>
           </a:xfrm>
           <a:prstGeom prst="rect">
             <a:avLst/>
@@ -4797,26 +5998,31 @@
           <a:p>
             <a:pPr algn="ctr"/>
             <a:r>
-              <a:rPr lang="fr-FR" sz="2800" b="1" dirty="0">
+              <a:rPr lang="fr-FR" sz="4800" b="1" dirty="0" smtClean="0">
                 <a:solidFill>
                   <a:schemeClr val="tx1"/>
                 </a:solidFill>
               </a:rPr>
-              <a:t>3</a:t>
-            </a:r>
-          </a:p>
-        </p:txBody>
-      </p:sp>
-      <p:sp>
-        <p:nvSpPr>
-          <p:cNvPr id="39" name="Rectangle 38"/>
+              <a:t>1</a:t>
+            </a:r>
+            <a:endParaRPr lang="fr-FR" sz="4800" b="1" dirty="0">
+              <a:solidFill>
+                <a:schemeClr val="tx1"/>
+              </a:solidFill>
+            </a:endParaRPr>
+          </a:p>
+        </p:txBody>
+      </p:sp>
+      <p:sp>
+        <p:nvSpPr>
+          <p:cNvPr id="140" name="Rectangle 139"/>
           <p:cNvSpPr/>
           <p:nvPr/>
         </p:nvSpPr>
         <p:spPr>
           <a:xfrm rot="5400000">
-            <a:off x="4103948" y="2327788"/>
-            <a:ext cx="576064" cy="504056"/>
+            <a:off x="6800053" y="2551374"/>
+            <a:ext cx="2138165" cy="1614639"/>
           </a:xfrm>
           <a:prstGeom prst="rect">
             <a:avLst/>
@@ -4847,26 +6053,31 @@
           <a:p>
             <a:pPr algn="ctr"/>
             <a:r>
-              <a:rPr lang="fr-FR" sz="2800" b="1" dirty="0">
+              <a:rPr lang="fr-FR" sz="4800" b="1" dirty="0" smtClean="0">
                 <a:solidFill>
                   <a:schemeClr val="tx1"/>
                 </a:solidFill>
               </a:rPr>
-              <a:t>4</a:t>
-            </a:r>
-          </a:p>
-        </p:txBody>
-      </p:sp>
-      <p:sp>
-        <p:nvSpPr>
-          <p:cNvPr id="40" name="Rectangle 39"/>
+              <a:t>2</a:t>
+            </a:r>
+            <a:endParaRPr lang="fr-FR" sz="4800" b="1" dirty="0">
+              <a:solidFill>
+                <a:schemeClr val="tx1"/>
+              </a:solidFill>
+            </a:endParaRPr>
+          </a:p>
+        </p:txBody>
+      </p:sp>
+      <p:sp>
+        <p:nvSpPr>
+          <p:cNvPr id="141" name="Rectangle 140"/>
           <p:cNvSpPr/>
           <p:nvPr/>
         </p:nvSpPr>
         <p:spPr>
           <a:xfrm rot="5400000">
-            <a:off x="4103948" y="3047868"/>
-            <a:ext cx="576064" cy="504056"/>
+            <a:off x="6775883" y="4768787"/>
+            <a:ext cx="2160238" cy="1640907"/>
           </a:xfrm>
           <a:prstGeom prst="rect">
             <a:avLst/>
@@ -4897,14 +6108,14 @@
           <a:p>
             <a:pPr algn="ctr"/>
             <a:r>
-              <a:rPr lang="fr-FR" sz="2800" b="1" dirty="0" smtClean="0">
+              <a:rPr lang="fr-FR" sz="4800" b="1" dirty="0">
                 <a:solidFill>
                   <a:schemeClr val="tx1"/>
                 </a:solidFill>
               </a:rPr>
-              <a:t>5</a:t>
-            </a:r>
-            <a:endParaRPr lang="fr-FR" sz="2800" b="1" dirty="0">
+              <a:t>3</a:t>
+            </a:r>
+            <a:endParaRPr lang="fr-FR" sz="4800" b="1" dirty="0">
               <a:solidFill>
                 <a:schemeClr val="tx1"/>
               </a:solidFill>
@@ -4914,14 +6125,14 @@
       </p:sp>
       <p:sp>
         <p:nvSpPr>
-          <p:cNvPr id="41" name="Rectangle 40"/>
+          <p:cNvPr id="142" name="Rectangle 141"/>
           <p:cNvSpPr/>
           <p:nvPr/>
         </p:nvSpPr>
         <p:spPr>
           <a:xfrm rot="5400000">
-            <a:off x="4097050" y="3767948"/>
-            <a:ext cx="576064" cy="504056"/>
+            <a:off x="880011" y="1442084"/>
+            <a:ext cx="491316" cy="294733"/>
           </a:xfrm>
           <a:prstGeom prst="rect">
             <a:avLst/>
@@ -4952,14 +6163,14 @@
           <a:p>
             <a:pPr algn="ctr"/>
             <a:r>
-              <a:rPr lang="fr-FR" sz="2800" b="1" dirty="0" smtClean="0">
+              <a:rPr lang="fr-FR" b="1" dirty="0" smtClean="0">
                 <a:solidFill>
                   <a:schemeClr val="tx1"/>
                 </a:solidFill>
               </a:rPr>
-              <a:t>6</a:t>
-            </a:r>
-            <a:endParaRPr lang="fr-FR" sz="2800" b="1" dirty="0">
+              <a:t>1</a:t>
+            </a:r>
+            <a:endParaRPr lang="fr-FR" b="1" dirty="0">
               <a:solidFill>
                 <a:schemeClr val="tx1"/>
               </a:solidFill>
@@ -4969,14 +6180,14 @@
       </p:sp>
       <p:sp>
         <p:nvSpPr>
-          <p:cNvPr id="42" name="Rectangle 41"/>
+          <p:cNvPr id="204" name="Rectangle 203"/>
           <p:cNvSpPr/>
           <p:nvPr/>
         </p:nvSpPr>
         <p:spPr>
           <a:xfrm rot="5400000">
-            <a:off x="4088423" y="4488028"/>
-            <a:ext cx="576064" cy="504056"/>
+            <a:off x="585277" y="1445109"/>
+            <a:ext cx="491316" cy="294733"/>
           </a:xfrm>
           <a:prstGeom prst="rect">
             <a:avLst/>
@@ -5007,14 +6218,14 @@
           <a:p>
             <a:pPr algn="ctr"/>
             <a:r>
-              <a:rPr lang="fr-FR" sz="2800" b="1" dirty="0" smtClean="0">
+              <a:rPr lang="fr-FR" b="1" dirty="0" smtClean="0">
                 <a:solidFill>
                   <a:schemeClr val="tx1"/>
                 </a:solidFill>
               </a:rPr>
-              <a:t>7</a:t>
-            </a:r>
-            <a:endParaRPr lang="fr-FR" sz="2800" b="1" dirty="0">
+              <a:t>3</a:t>
+            </a:r>
+            <a:endParaRPr lang="fr-FR" b="1" dirty="0">
               <a:solidFill>
                 <a:schemeClr val="tx1"/>
               </a:solidFill>
@@ -5024,14 +6235,14 @@
       </p:sp>
       <p:sp>
         <p:nvSpPr>
-          <p:cNvPr id="43" name="Rectangle 42"/>
+          <p:cNvPr id="213" name="Rectangle 212"/>
           <p:cNvSpPr/>
           <p:nvPr/>
         </p:nvSpPr>
         <p:spPr>
           <a:xfrm rot="5400000">
-            <a:off x="4072901" y="5280116"/>
-            <a:ext cx="576064" cy="504056"/>
+            <a:off x="885044" y="2021618"/>
+            <a:ext cx="491316" cy="294733"/>
           </a:xfrm>
           <a:prstGeom prst="rect">
             <a:avLst/>
@@ -5062,14 +6273,14 @@
           <a:p>
             <a:pPr algn="ctr"/>
             <a:r>
-              <a:rPr lang="fr-FR" sz="2800" b="1" dirty="0" smtClean="0">
+              <a:rPr lang="fr-FR" b="1" dirty="0" smtClean="0">
                 <a:solidFill>
                   <a:schemeClr val="tx1"/>
                 </a:solidFill>
               </a:rPr>
-              <a:t>8</a:t>
-            </a:r>
-            <a:endParaRPr lang="fr-FR" sz="2800" b="1" dirty="0">
+              <a:t>2</a:t>
+            </a:r>
+            <a:endParaRPr lang="fr-FR" b="1" dirty="0">
               <a:solidFill>
                 <a:schemeClr val="tx1"/>
               </a:solidFill>
@@ -5079,14 +6290,14 @@
       </p:sp>
       <p:sp>
         <p:nvSpPr>
-          <p:cNvPr id="44" name="Rectangle 43"/>
+          <p:cNvPr id="214" name="Rectangle 213"/>
           <p:cNvSpPr/>
           <p:nvPr/>
         </p:nvSpPr>
         <p:spPr>
           <a:xfrm rot="5400000">
-            <a:off x="3425719" y="167548"/>
-            <a:ext cx="576064" cy="504056"/>
+            <a:off x="590310" y="2024643"/>
+            <a:ext cx="491316" cy="294733"/>
           </a:xfrm>
           <a:prstGeom prst="rect">
             <a:avLst/>
@@ -5117,26 +6328,31 @@
           <a:p>
             <a:pPr algn="ctr"/>
             <a:r>
-              <a:rPr lang="fr-FR" sz="2800" b="1" dirty="0">
+              <a:rPr lang="fr-FR" b="1" dirty="0" smtClean="0">
                 <a:solidFill>
                   <a:schemeClr val="tx1"/>
                 </a:solidFill>
               </a:rPr>
-              <a:t>9</a:t>
-            </a:r>
-          </a:p>
-        </p:txBody>
-      </p:sp>
-      <p:sp>
-        <p:nvSpPr>
-          <p:cNvPr id="45" name="Rectangle 44"/>
+              <a:t>4</a:t>
+            </a:r>
+            <a:endParaRPr lang="fr-FR" b="1" dirty="0">
+              <a:solidFill>
+                <a:schemeClr val="tx1"/>
+              </a:solidFill>
+            </a:endParaRPr>
+          </a:p>
+        </p:txBody>
+      </p:sp>
+      <p:sp>
+        <p:nvSpPr>
+          <p:cNvPr id="217" name="Rectangle 216"/>
           <p:cNvSpPr/>
           <p:nvPr/>
         </p:nvSpPr>
         <p:spPr>
           <a:xfrm rot="5400000">
-            <a:off x="3449868" y="896012"/>
-            <a:ext cx="576064" cy="504056"/>
+            <a:off x="885043" y="2637105"/>
+            <a:ext cx="491316" cy="294733"/>
           </a:xfrm>
           <a:prstGeom prst="rect">
             <a:avLst/>
@@ -5167,14 +6383,14 @@
           <a:p>
             <a:pPr algn="ctr"/>
             <a:r>
-              <a:rPr lang="fr-FR" sz="2800" b="1" dirty="0" smtClean="0">
+              <a:rPr lang="fr-FR" b="1" dirty="0" smtClean="0">
                 <a:solidFill>
                   <a:schemeClr val="tx1"/>
                 </a:solidFill>
               </a:rPr>
-              <a:t>10</a:t>
-            </a:r>
-            <a:endParaRPr lang="fr-FR" sz="2800" b="1" dirty="0">
+              <a:t>3</a:t>
+            </a:r>
+            <a:endParaRPr lang="fr-FR" b="1" dirty="0">
               <a:solidFill>
                 <a:schemeClr val="tx1"/>
               </a:solidFill>
@@ -5184,14 +6400,14 @@
       </p:sp>
       <p:sp>
         <p:nvSpPr>
-          <p:cNvPr id="46" name="Rectangle 45"/>
+          <p:cNvPr id="218" name="Rectangle 217"/>
           <p:cNvSpPr/>
           <p:nvPr/>
         </p:nvSpPr>
         <p:spPr>
           <a:xfrm rot="5400000">
-            <a:off x="3449869" y="1607709"/>
-            <a:ext cx="576064" cy="504056"/>
+            <a:off x="590309" y="2640130"/>
+            <a:ext cx="491316" cy="294733"/>
           </a:xfrm>
           <a:prstGeom prst="rect">
             <a:avLst/>
@@ -5222,14 +6438,14 @@
           <a:p>
             <a:pPr algn="ctr"/>
             <a:r>
-              <a:rPr lang="fr-FR" sz="2800" b="1" dirty="0" smtClean="0">
+              <a:rPr lang="fr-FR" b="1" dirty="0" smtClean="0">
                 <a:solidFill>
                   <a:schemeClr val="tx1"/>
                 </a:solidFill>
               </a:rPr>
-              <a:t>11</a:t>
-            </a:r>
-            <a:endParaRPr lang="fr-FR" sz="2800" b="1" dirty="0">
+              <a:t>5</a:t>
+            </a:r>
+            <a:endParaRPr lang="fr-FR" b="1" dirty="0">
               <a:solidFill>
                 <a:schemeClr val="tx1"/>
               </a:solidFill>
@@ -5239,14 +6455,14 @@
       </p:sp>
       <p:sp>
         <p:nvSpPr>
-          <p:cNvPr id="47" name="Rectangle 46"/>
+          <p:cNvPr id="219" name="Rectangle 218"/>
           <p:cNvSpPr/>
           <p:nvPr/>
         </p:nvSpPr>
         <p:spPr>
           <a:xfrm rot="5400000">
-            <a:off x="3456766" y="2327788"/>
-            <a:ext cx="576064" cy="504056"/>
+            <a:off x="890076" y="3216639"/>
+            <a:ext cx="491316" cy="294733"/>
           </a:xfrm>
           <a:prstGeom prst="rect">
             <a:avLst/>
@@ -5277,14 +6493,14 @@
           <a:p>
             <a:pPr algn="ctr"/>
             <a:r>
-              <a:rPr lang="fr-FR" sz="2800" b="1" dirty="0" smtClean="0">
+              <a:rPr lang="fr-FR" b="1" dirty="0" smtClean="0">
                 <a:solidFill>
                   <a:schemeClr val="tx1"/>
                 </a:solidFill>
               </a:rPr>
-              <a:t>12</a:t>
-            </a:r>
-            <a:endParaRPr lang="fr-FR" sz="2800" b="1" dirty="0">
+              <a:t>4</a:t>
+            </a:r>
+            <a:endParaRPr lang="fr-FR" b="1" dirty="0">
               <a:solidFill>
                 <a:schemeClr val="tx1"/>
               </a:solidFill>
@@ -5294,14 +6510,14 @@
       </p:sp>
       <p:sp>
         <p:nvSpPr>
-          <p:cNvPr id="48" name="Rectangle 47"/>
+          <p:cNvPr id="220" name="Rectangle 219"/>
           <p:cNvSpPr/>
           <p:nvPr/>
         </p:nvSpPr>
         <p:spPr>
           <a:xfrm rot="5400000">
-            <a:off x="3456766" y="3047868"/>
-            <a:ext cx="576064" cy="504056"/>
+            <a:off x="595342" y="3219664"/>
+            <a:ext cx="491316" cy="294733"/>
           </a:xfrm>
           <a:prstGeom prst="rect">
             <a:avLst/>
@@ -5332,14 +6548,14 @@
           <a:p>
             <a:pPr algn="ctr"/>
             <a:r>
-              <a:rPr lang="fr-FR" sz="2800" b="1" dirty="0" smtClean="0">
+              <a:rPr lang="fr-FR" b="1" dirty="0">
                 <a:solidFill>
                   <a:schemeClr val="tx1"/>
                 </a:solidFill>
               </a:rPr>
-              <a:t>13</a:t>
-            </a:r>
-            <a:endParaRPr lang="fr-FR" sz="2800" b="1" dirty="0">
+              <a:t>6</a:t>
+            </a:r>
+            <a:endParaRPr lang="fr-FR" b="1" dirty="0">
               <a:solidFill>
                 <a:schemeClr val="tx1"/>
               </a:solidFill>
@@ -5349,14 +6565,14 @@
       </p:sp>
       <p:sp>
         <p:nvSpPr>
-          <p:cNvPr id="49" name="Rectangle 48"/>
+          <p:cNvPr id="221" name="Rectangle 220"/>
           <p:cNvSpPr/>
           <p:nvPr/>
         </p:nvSpPr>
         <p:spPr>
           <a:xfrm rot="5400000">
-            <a:off x="3449868" y="3767948"/>
-            <a:ext cx="576064" cy="504056"/>
+            <a:off x="890077" y="3838928"/>
+            <a:ext cx="491316" cy="294733"/>
           </a:xfrm>
           <a:prstGeom prst="rect">
             <a:avLst/>
@@ -5387,14 +6603,14 @@
           <a:p>
             <a:pPr algn="ctr"/>
             <a:r>
-              <a:rPr lang="fr-FR" sz="2800" b="1" dirty="0" smtClean="0">
+              <a:rPr lang="fr-FR" b="1" dirty="0" smtClean="0">
                 <a:solidFill>
                   <a:schemeClr val="tx1"/>
                 </a:solidFill>
               </a:rPr>
-              <a:t>14</a:t>
-            </a:r>
-            <a:endParaRPr lang="fr-FR" sz="2800" b="1" dirty="0">
+              <a:t>5</a:t>
+            </a:r>
+            <a:endParaRPr lang="fr-FR" b="1" dirty="0">
               <a:solidFill>
                 <a:schemeClr val="tx1"/>
               </a:solidFill>
@@ -5404,14 +6620,14 @@
       </p:sp>
       <p:sp>
         <p:nvSpPr>
-          <p:cNvPr id="50" name="Rectangle 49"/>
+          <p:cNvPr id="222" name="Rectangle 221"/>
           <p:cNvSpPr/>
           <p:nvPr/>
         </p:nvSpPr>
         <p:spPr>
           <a:xfrm rot="5400000">
-            <a:off x="3441241" y="4488028"/>
-            <a:ext cx="576064" cy="504056"/>
+            <a:off x="595343" y="3841953"/>
+            <a:ext cx="491316" cy="294733"/>
           </a:xfrm>
           <a:prstGeom prst="rect">
             <a:avLst/>
@@ -5442,14 +6658,14 @@
           <a:p>
             <a:pPr algn="ctr"/>
             <a:r>
-              <a:rPr lang="fr-FR" sz="2800" b="1" dirty="0" smtClean="0">
+              <a:rPr lang="fr-FR" b="1" dirty="0">
                 <a:solidFill>
                   <a:schemeClr val="tx1"/>
                 </a:solidFill>
               </a:rPr>
-              <a:t>15</a:t>
-            </a:r>
-            <a:endParaRPr lang="fr-FR" sz="2800" b="1" dirty="0">
+              <a:t>6</a:t>
+            </a:r>
+            <a:endParaRPr lang="fr-FR" b="1" dirty="0">
               <a:solidFill>
                 <a:schemeClr val="tx1"/>
               </a:solidFill>
@@ -5459,14 +6675,14 @@
       </p:sp>
       <p:sp>
         <p:nvSpPr>
-          <p:cNvPr id="51" name="Rectangle 50"/>
+          <p:cNvPr id="223" name="Rectangle 222"/>
           <p:cNvSpPr/>
           <p:nvPr/>
         </p:nvSpPr>
         <p:spPr>
           <a:xfrm rot="5400000">
-            <a:off x="3425719" y="5280116"/>
-            <a:ext cx="576064" cy="504056"/>
+            <a:off x="895110" y="4418462"/>
+            <a:ext cx="491316" cy="294733"/>
           </a:xfrm>
           <a:prstGeom prst="rect">
             <a:avLst/>
@@ -5497,14 +6713,14 @@
           <a:p>
             <a:pPr algn="ctr"/>
             <a:r>
-              <a:rPr lang="fr-FR" sz="2800" b="1" dirty="0" smtClean="0">
+              <a:rPr lang="fr-FR" b="1" dirty="0" smtClean="0">
                 <a:solidFill>
                   <a:schemeClr val="tx1"/>
                 </a:solidFill>
               </a:rPr>
-              <a:t>16</a:t>
-            </a:r>
-            <a:endParaRPr lang="fr-FR" sz="2800" b="1" dirty="0">
+              <a:t>6</a:t>
+            </a:r>
+            <a:endParaRPr lang="fr-FR" b="1" dirty="0">
               <a:solidFill>
                 <a:schemeClr val="tx1"/>
               </a:solidFill>
@@ -5514,14 +6730,14 @@
       </p:sp>
       <p:sp>
         <p:nvSpPr>
-          <p:cNvPr id="52" name="Rectangle 51"/>
+          <p:cNvPr id="224" name="Rectangle 223"/>
           <p:cNvSpPr/>
           <p:nvPr/>
         </p:nvSpPr>
         <p:spPr>
           <a:xfrm rot="5400000">
-            <a:off x="2735796" y="152636"/>
-            <a:ext cx="576064" cy="504056"/>
+            <a:off x="600376" y="4421487"/>
+            <a:ext cx="491316" cy="294733"/>
           </a:xfrm>
           <a:prstGeom prst="rect">
             <a:avLst/>
@@ -5552,26 +6768,31 @@
           <a:p>
             <a:pPr algn="ctr"/>
             <a:r>
-              <a:rPr lang="fr-FR" sz="2800" b="1" dirty="0">
+              <a:rPr lang="fr-FR" b="1" dirty="0">
                 <a:solidFill>
                   <a:schemeClr val="tx1"/>
                 </a:solidFill>
               </a:rPr>
-              <a:t>17</a:t>
-            </a:r>
-          </a:p>
-        </p:txBody>
-      </p:sp>
-      <p:sp>
-        <p:nvSpPr>
-          <p:cNvPr id="53" name="Rectangle 52"/>
+              <a:t>7</a:t>
+            </a:r>
+            <a:endParaRPr lang="fr-FR" b="1" dirty="0">
+              <a:solidFill>
+                <a:schemeClr val="tx1"/>
+              </a:solidFill>
+            </a:endParaRPr>
+          </a:p>
+        </p:txBody>
+      </p:sp>
+      <p:sp>
+        <p:nvSpPr>
+          <p:cNvPr id="225" name="Rectangle 224"/>
           <p:cNvSpPr/>
           <p:nvPr/>
         </p:nvSpPr>
         <p:spPr>
           <a:xfrm rot="5400000">
-            <a:off x="2759945" y="881100"/>
-            <a:ext cx="576064" cy="504056"/>
+            <a:off x="600375" y="5036974"/>
+            <a:ext cx="491316" cy="294733"/>
           </a:xfrm>
           <a:prstGeom prst="rect">
             <a:avLst/>
@@ -5602,14 +6823,14 @@
           <a:p>
             <a:pPr algn="ctr"/>
             <a:r>
-              <a:rPr lang="fr-FR" sz="2800" b="1" dirty="0" smtClean="0">
+              <a:rPr lang="fr-FR" b="1" dirty="0">
                 <a:solidFill>
                   <a:schemeClr val="tx1"/>
                 </a:solidFill>
               </a:rPr>
-              <a:t>18</a:t>
-            </a:r>
-            <a:endParaRPr lang="fr-FR" sz="2800" b="1" dirty="0">
+              <a:t>7</a:t>
+            </a:r>
+            <a:endParaRPr lang="fr-FR" b="1" dirty="0">
               <a:solidFill>
                 <a:schemeClr val="tx1"/>
               </a:solidFill>
@@ -5619,14 +6840,14 @@
       </p:sp>
       <p:sp>
         <p:nvSpPr>
-          <p:cNvPr id="54" name="Rectangle 53"/>
+          <p:cNvPr id="226" name="Rectangle 225"/>
           <p:cNvSpPr/>
           <p:nvPr/>
         </p:nvSpPr>
         <p:spPr>
           <a:xfrm rot="5400000">
-            <a:off x="2759946" y="1592797"/>
-            <a:ext cx="576064" cy="504056"/>
+            <a:off x="900142" y="5613483"/>
+            <a:ext cx="491316" cy="294733"/>
           </a:xfrm>
           <a:prstGeom prst="rect">
             <a:avLst/>
@@ -5657,14 +6878,14 @@
           <a:p>
             <a:pPr algn="ctr"/>
             <a:r>
-              <a:rPr lang="fr-FR" sz="2800" b="1" dirty="0" smtClean="0">
+              <a:rPr lang="fr-FR" b="1" dirty="0" smtClean="0">
                 <a:solidFill>
                   <a:schemeClr val="tx1"/>
                 </a:solidFill>
               </a:rPr>
-              <a:t>19</a:t>
-            </a:r>
-            <a:endParaRPr lang="fr-FR" sz="2800" b="1" dirty="0">
+              <a:t>8</a:t>
+            </a:r>
+            <a:endParaRPr lang="fr-FR" b="1" dirty="0">
               <a:solidFill>
                 <a:schemeClr val="tx1"/>
               </a:solidFill>
@@ -5674,14 +6895,14 @@
       </p:sp>
       <p:sp>
         <p:nvSpPr>
-          <p:cNvPr id="55" name="Rectangle 54"/>
+          <p:cNvPr id="227" name="Rectangle 226"/>
           <p:cNvSpPr/>
           <p:nvPr/>
         </p:nvSpPr>
         <p:spPr>
           <a:xfrm rot="5400000">
-            <a:off x="2766843" y="2312876"/>
-            <a:ext cx="576064" cy="504056"/>
+            <a:off x="605408" y="5616508"/>
+            <a:ext cx="491316" cy="294733"/>
           </a:xfrm>
           <a:prstGeom prst="rect">
             <a:avLst/>
@@ -5712,14 +6933,14 @@
           <a:p>
             <a:pPr algn="ctr"/>
             <a:r>
-              <a:rPr lang="fr-FR" sz="2800" b="1" dirty="0" smtClean="0">
+              <a:rPr lang="fr-FR" b="1" dirty="0" smtClean="0">
                 <a:solidFill>
                   <a:schemeClr val="tx1"/>
                 </a:solidFill>
               </a:rPr>
-              <a:t>20</a:t>
-            </a:r>
-            <a:endParaRPr lang="fr-FR" sz="2800" b="1" dirty="0">
+              <a:t>8</a:t>
+            </a:r>
+            <a:endParaRPr lang="fr-FR" b="1" dirty="0">
               <a:solidFill>
                 <a:schemeClr val="tx1"/>
               </a:solidFill>
@@ -5729,14 +6950,14 @@
       </p:sp>
       <p:sp>
         <p:nvSpPr>
-          <p:cNvPr id="56" name="Rectangle 55"/>
+          <p:cNvPr id="228" name="Rectangle 227"/>
           <p:cNvSpPr/>
           <p:nvPr/>
         </p:nvSpPr>
         <p:spPr>
           <a:xfrm rot="5400000">
-            <a:off x="2766843" y="3032956"/>
-            <a:ext cx="576064" cy="504056"/>
+            <a:off x="900142" y="5040104"/>
+            <a:ext cx="491316" cy="294733"/>
           </a:xfrm>
           <a:prstGeom prst="rect">
             <a:avLst/>
@@ -5767,14 +6988,14 @@
           <a:p>
             <a:pPr algn="ctr"/>
             <a:r>
-              <a:rPr lang="fr-FR" sz="2800" b="1" dirty="0" smtClean="0">
+              <a:rPr lang="fr-FR" b="1" dirty="0" smtClean="0">
                 <a:solidFill>
                   <a:schemeClr val="tx1"/>
                 </a:solidFill>
               </a:rPr>
-              <a:t>21</a:t>
-            </a:r>
-            <a:endParaRPr lang="fr-FR" sz="2800" b="1" dirty="0">
+              <a:t>7</a:t>
+            </a:r>
+            <a:endParaRPr lang="fr-FR" b="1" dirty="0">
               <a:solidFill>
                 <a:schemeClr val="tx1"/>
               </a:solidFill>
@@ -5784,14 +7005,14 @@
       </p:sp>
       <p:sp>
         <p:nvSpPr>
-          <p:cNvPr id="57" name="Rectangle 56"/>
+          <p:cNvPr id="229" name="Rectangle 228"/>
           <p:cNvSpPr/>
           <p:nvPr/>
         </p:nvSpPr>
         <p:spPr>
           <a:xfrm rot="5400000">
-            <a:off x="2759945" y="3753036"/>
-            <a:ext cx="576064" cy="504056"/>
+            <a:off x="240868" y="1439060"/>
+            <a:ext cx="491316" cy="294733"/>
           </a:xfrm>
           <a:prstGeom prst="rect">
             <a:avLst/>
@@ -5822,14 +7043,14 @@
           <a:p>
             <a:pPr algn="ctr"/>
             <a:r>
-              <a:rPr lang="fr-FR" sz="2800" b="1" dirty="0" smtClean="0">
+              <a:rPr lang="fr-FR" b="1" dirty="0" smtClean="0">
                 <a:solidFill>
                   <a:schemeClr val="tx1"/>
                 </a:solidFill>
               </a:rPr>
-              <a:t>22</a:t>
-            </a:r>
-            <a:endParaRPr lang="fr-FR" sz="2800" b="1" dirty="0">
+              <a:t>10</a:t>
+            </a:r>
+            <a:endParaRPr lang="fr-FR" b="1" dirty="0">
               <a:solidFill>
                 <a:schemeClr val="tx1"/>
               </a:solidFill>
@@ -5839,14 +7060,14 @@
       </p:sp>
       <p:sp>
         <p:nvSpPr>
-          <p:cNvPr id="58" name="Rectangle 57"/>
+          <p:cNvPr id="230" name="Rectangle 229"/>
           <p:cNvSpPr/>
           <p:nvPr/>
         </p:nvSpPr>
         <p:spPr>
           <a:xfrm rot="5400000">
-            <a:off x="2751318" y="4473116"/>
-            <a:ext cx="576064" cy="504056"/>
+            <a:off x="-53866" y="1442085"/>
+            <a:ext cx="491316" cy="294733"/>
           </a:xfrm>
           <a:prstGeom prst="rect">
             <a:avLst/>
@@ -5877,14 +7098,14 @@
           <a:p>
             <a:pPr algn="ctr"/>
             <a:r>
-              <a:rPr lang="fr-FR" sz="2800" b="1" dirty="0" smtClean="0">
+              <a:rPr lang="fr-FR" b="1" dirty="0" smtClean="0">
                 <a:solidFill>
                   <a:schemeClr val="tx1"/>
                 </a:solidFill>
               </a:rPr>
-              <a:t>23</a:t>
-            </a:r>
-            <a:endParaRPr lang="fr-FR" sz="2800" b="1" dirty="0">
+              <a:t>8</a:t>
+            </a:r>
+            <a:endParaRPr lang="fr-FR" b="1" dirty="0">
               <a:solidFill>
                 <a:schemeClr val="tx1"/>
               </a:solidFill>
@@ -5894,14 +7115,14 @@
       </p:sp>
       <p:sp>
         <p:nvSpPr>
-          <p:cNvPr id="59" name="Rectangle 58"/>
+          <p:cNvPr id="231" name="Rectangle 230"/>
           <p:cNvSpPr/>
           <p:nvPr/>
         </p:nvSpPr>
         <p:spPr>
           <a:xfrm rot="5400000">
-            <a:off x="2735796" y="5265204"/>
-            <a:ext cx="576064" cy="504056"/>
+            <a:off x="245901" y="2018594"/>
+            <a:ext cx="491316" cy="294733"/>
           </a:xfrm>
           <a:prstGeom prst="rect">
             <a:avLst/>
@@ -5932,14 +7153,14 @@
           <a:p>
             <a:pPr algn="ctr"/>
             <a:r>
-              <a:rPr lang="fr-FR" sz="2800" b="1" dirty="0" smtClean="0">
+              <a:rPr lang="fr-FR" b="1" dirty="0" smtClean="0">
                 <a:solidFill>
                   <a:schemeClr val="tx1"/>
                 </a:solidFill>
               </a:rPr>
-              <a:t>24</a:t>
-            </a:r>
-            <a:endParaRPr lang="fr-FR" sz="2800" b="1" dirty="0">
+              <a:t>11</a:t>
+            </a:r>
+            <a:endParaRPr lang="fr-FR" b="1" dirty="0">
               <a:solidFill>
                 <a:schemeClr val="tx1"/>
               </a:solidFill>
@@ -5949,22 +7170,20 @@
       </p:sp>
       <p:sp>
         <p:nvSpPr>
-          <p:cNvPr id="61" name="Rectangle 60"/>
+          <p:cNvPr id="232" name="Rectangle 231"/>
           <p:cNvSpPr/>
           <p:nvPr/>
         </p:nvSpPr>
         <p:spPr>
           <a:xfrm rot="5400000">
-            <a:off x="4204504" y="1132200"/>
-            <a:ext cx="5919568" cy="3744416"/>
+            <a:off x="-48833" y="2021619"/>
+            <a:ext cx="491316" cy="294733"/>
           </a:xfrm>
           <a:prstGeom prst="rect">
             <a:avLst/>
           </a:prstGeom>
           <a:solidFill>
-            <a:schemeClr val="bg2">
-              <a:lumMod val="75000"/>
-            </a:schemeClr>
+            <a:schemeClr val="bg1"/>
           </a:solidFill>
         </p:spPr>
         <p:style>
@@ -5984,27 +7203,36 @@
           </a:fontRef>
         </p:style>
         <p:txBody>
-          <a:bodyPr rtlCol="0" anchor="t"/>
-          <a:lstStyle/>
-          <a:p>
-            <a:r>
-              <a:rPr lang="fr-FR" dirty="0" smtClean="0"/>
-              <a:t>Cartes </a:t>
-            </a:r>
-            <a:endParaRPr lang="fr-FR" dirty="0"/>
-          </a:p>
-        </p:txBody>
-      </p:sp>
-      <p:sp>
-        <p:nvSpPr>
-          <p:cNvPr id="62" name="Rectangle 61"/>
+          <a:bodyPr rtlCol="0" anchor="ctr"/>
+          <a:lstStyle/>
+          <a:p>
+            <a:pPr algn="ctr"/>
+            <a:r>
+              <a:rPr lang="fr-FR" b="1" dirty="0">
+                <a:solidFill>
+                  <a:schemeClr val="tx1"/>
+                </a:solidFill>
+              </a:rPr>
+              <a:t>9</a:t>
+            </a:r>
+            <a:endParaRPr lang="fr-FR" b="1" dirty="0">
+              <a:solidFill>
+                <a:schemeClr val="tx1"/>
+              </a:solidFill>
+            </a:endParaRPr>
+          </a:p>
+        </p:txBody>
+      </p:sp>
+      <p:sp>
+        <p:nvSpPr>
+          <p:cNvPr id="233" name="Rectangle 232"/>
           <p:cNvSpPr/>
           <p:nvPr/>
         </p:nvSpPr>
         <p:spPr>
           <a:xfrm rot="5400000">
-            <a:off x="7020272" y="362482"/>
-            <a:ext cx="1584176" cy="1440160"/>
+            <a:off x="245900" y="2634081"/>
+            <a:ext cx="491316" cy="294733"/>
           </a:xfrm>
           <a:prstGeom prst="rect">
             <a:avLst/>
@@ -6035,34 +7263,37 @@
           <a:p>
             <a:pPr algn="ctr"/>
             <a:r>
-              <a:rPr lang="fr-FR" sz="4800" b="1" dirty="0">
+              <a:rPr lang="fr-FR" b="1" dirty="0" smtClean="0">
                 <a:solidFill>
                   <a:schemeClr val="tx1"/>
                 </a:solidFill>
               </a:rPr>
-              <a:t>1</a:t>
-            </a:r>
-          </a:p>
-        </p:txBody>
-      </p:sp>
-      <p:sp>
-        <p:nvSpPr>
-          <p:cNvPr id="73" name="Rectangle 72"/>
+              <a:t>12</a:t>
+            </a:r>
+            <a:endParaRPr lang="fr-FR" b="1" dirty="0">
+              <a:solidFill>
+                <a:schemeClr val="tx1"/>
+              </a:solidFill>
+            </a:endParaRPr>
+          </a:p>
+        </p:txBody>
+      </p:sp>
+      <p:sp>
+        <p:nvSpPr>
+          <p:cNvPr id="234" name="Rectangle 233"/>
           <p:cNvSpPr/>
           <p:nvPr/>
         </p:nvSpPr>
         <p:spPr>
           <a:xfrm rot="5400000">
-            <a:off x="4255893" y="1935280"/>
-            <a:ext cx="694592" cy="8866614"/>
+            <a:off x="-48834" y="2637106"/>
+            <a:ext cx="491316" cy="294733"/>
           </a:xfrm>
           <a:prstGeom prst="rect">
             <a:avLst/>
           </a:prstGeom>
           <a:solidFill>
-            <a:schemeClr val="accent3">
-              <a:lumMod val="75000"/>
-            </a:schemeClr>
+            <a:schemeClr val="bg1"/>
           </a:solidFill>
         </p:spPr>
         <p:style>
@@ -6082,28 +7313,36 @@
           </a:fontRef>
         </p:style>
         <p:txBody>
-          <a:bodyPr rtlCol="0" anchor="t"/>
+          <a:bodyPr rtlCol="0" anchor="ctr"/>
           <a:lstStyle/>
           <a:p>
             <a:pPr algn="ctr"/>
             <a:r>
-              <a:rPr lang="fr-FR" dirty="0" smtClean="0"/>
-              <a:t>Tour</a:t>
-            </a:r>
-            <a:endParaRPr lang="fr-FR" dirty="0"/>
-          </a:p>
-        </p:txBody>
-      </p:sp>
-      <p:sp>
-        <p:nvSpPr>
-          <p:cNvPr id="75" name="Rectangle 74"/>
+              <a:rPr lang="fr-FR" b="1" dirty="0">
+                <a:solidFill>
+                  <a:schemeClr val="tx1"/>
+                </a:solidFill>
+              </a:rPr>
+              <a:t>9</a:t>
+            </a:r>
+            <a:endParaRPr lang="fr-FR" b="1" dirty="0">
+              <a:solidFill>
+                <a:schemeClr val="tx1"/>
+              </a:solidFill>
+            </a:endParaRPr>
+          </a:p>
+        </p:txBody>
+      </p:sp>
+      <p:sp>
+        <p:nvSpPr>
+          <p:cNvPr id="235" name="Rectangle 234"/>
           <p:cNvSpPr/>
           <p:nvPr/>
         </p:nvSpPr>
         <p:spPr>
           <a:xfrm rot="5400000">
-            <a:off x="5352377" y="362481"/>
-            <a:ext cx="1584176" cy="1440160"/>
+            <a:off x="250933" y="3213615"/>
+            <a:ext cx="491316" cy="294733"/>
           </a:xfrm>
           <a:prstGeom prst="rect">
             <a:avLst/>
@@ -6134,14 +7373,14 @@
           <a:p>
             <a:pPr algn="ctr"/>
             <a:r>
-              <a:rPr lang="fr-FR" sz="4800" b="1" dirty="0" smtClean="0">
+              <a:rPr lang="fr-FR" b="1" dirty="0" smtClean="0">
                 <a:solidFill>
                   <a:schemeClr val="tx1"/>
                 </a:solidFill>
               </a:rPr>
-              <a:t>4</a:t>
-            </a:r>
-            <a:endParaRPr lang="fr-FR" sz="4800" b="1" dirty="0">
+              <a:t>13</a:t>
+            </a:r>
+            <a:endParaRPr lang="fr-FR" b="1" dirty="0">
               <a:solidFill>
                 <a:schemeClr val="tx1"/>
               </a:solidFill>
@@ -6151,14 +7390,14 @@
       </p:sp>
       <p:sp>
         <p:nvSpPr>
-          <p:cNvPr id="76" name="Rectangle 75"/>
+          <p:cNvPr id="236" name="Rectangle 235"/>
           <p:cNvSpPr/>
           <p:nvPr/>
         </p:nvSpPr>
         <p:spPr>
           <a:xfrm rot="5400000">
-            <a:off x="5352377" y="2132856"/>
-            <a:ext cx="1584176" cy="1440160"/>
+            <a:off x="-43801" y="3216640"/>
+            <a:ext cx="491316" cy="294733"/>
           </a:xfrm>
           <a:prstGeom prst="rect">
             <a:avLst/>
@@ -6189,26 +7428,31 @@
           <a:p>
             <a:pPr algn="ctr"/>
             <a:r>
-              <a:rPr lang="fr-FR" sz="4800" b="1" dirty="0">
+              <a:rPr lang="fr-FR" b="1" dirty="0" smtClean="0">
                 <a:solidFill>
                   <a:schemeClr val="tx1"/>
                 </a:solidFill>
               </a:rPr>
-              <a:t>5</a:t>
-            </a:r>
-          </a:p>
-        </p:txBody>
-      </p:sp>
-      <p:sp>
-        <p:nvSpPr>
-          <p:cNvPr id="77" name="Rectangle 76"/>
+              <a:t>9</a:t>
+            </a:r>
+            <a:endParaRPr lang="fr-FR" b="1" dirty="0">
+              <a:solidFill>
+                <a:schemeClr val="tx1"/>
+              </a:solidFill>
+            </a:endParaRPr>
+          </a:p>
+        </p:txBody>
+      </p:sp>
+      <p:sp>
+        <p:nvSpPr>
+          <p:cNvPr id="237" name="Rectangle 236"/>
           <p:cNvSpPr/>
           <p:nvPr/>
         </p:nvSpPr>
         <p:spPr>
           <a:xfrm rot="5400000">
-            <a:off x="5352377" y="4005064"/>
-            <a:ext cx="1584176" cy="1440160"/>
+            <a:off x="250934" y="3835904"/>
+            <a:ext cx="491316" cy="294733"/>
           </a:xfrm>
           <a:prstGeom prst="rect">
             <a:avLst/>
@@ -6239,26 +7483,31 @@
           <a:p>
             <a:pPr algn="ctr"/>
             <a:r>
-              <a:rPr lang="fr-FR" sz="4800" b="1" dirty="0">
+              <a:rPr lang="fr-FR" b="1" dirty="0" smtClean="0">
                 <a:solidFill>
                   <a:schemeClr val="tx1"/>
                 </a:solidFill>
               </a:rPr>
-              <a:t>6</a:t>
-            </a:r>
-          </a:p>
-        </p:txBody>
-      </p:sp>
-      <p:sp>
-        <p:nvSpPr>
-          <p:cNvPr id="78" name="Rectangle 77"/>
+              <a:t>14</a:t>
+            </a:r>
+            <a:endParaRPr lang="fr-FR" b="1" dirty="0">
+              <a:solidFill>
+                <a:schemeClr val="tx1"/>
+              </a:solidFill>
+            </a:endParaRPr>
+          </a:p>
+        </p:txBody>
+      </p:sp>
+      <p:sp>
+        <p:nvSpPr>
+          <p:cNvPr id="238" name="Rectangle 237"/>
           <p:cNvSpPr/>
           <p:nvPr/>
         </p:nvSpPr>
         <p:spPr>
           <a:xfrm rot="5400000">
-            <a:off x="7020272" y="2132856"/>
-            <a:ext cx="1584176" cy="1440160"/>
+            <a:off x="-43800" y="3838929"/>
+            <a:ext cx="491316" cy="294733"/>
           </a:xfrm>
           <a:prstGeom prst="rect">
             <a:avLst/>
@@ -6289,26 +7538,31 @@
           <a:p>
             <a:pPr algn="ctr"/>
             <a:r>
-              <a:rPr lang="fr-FR" sz="4800" b="1" dirty="0">
+              <a:rPr lang="fr-FR" b="1" dirty="0" smtClean="0">
                 <a:solidFill>
                   <a:schemeClr val="tx1"/>
                 </a:solidFill>
               </a:rPr>
-              <a:t>2</a:t>
-            </a:r>
-          </a:p>
-        </p:txBody>
-      </p:sp>
-      <p:sp>
-        <p:nvSpPr>
-          <p:cNvPr id="79" name="Rectangle 78"/>
+              <a:t>10</a:t>
+            </a:r>
+            <a:endParaRPr lang="fr-FR" b="1" dirty="0">
+              <a:solidFill>
+                <a:schemeClr val="tx1"/>
+              </a:solidFill>
+            </a:endParaRPr>
+          </a:p>
+        </p:txBody>
+      </p:sp>
+      <p:sp>
+        <p:nvSpPr>
+          <p:cNvPr id="239" name="Rectangle 238"/>
           <p:cNvSpPr/>
           <p:nvPr/>
         </p:nvSpPr>
         <p:spPr>
           <a:xfrm rot="5400000">
-            <a:off x="7020272" y="4005064"/>
-            <a:ext cx="1584176" cy="1440160"/>
+            <a:off x="255967" y="4415438"/>
+            <a:ext cx="491316" cy="294733"/>
           </a:xfrm>
           <a:prstGeom prst="rect">
             <a:avLst/>
@@ -6339,26 +7593,31 @@
           <a:p>
             <a:pPr algn="ctr"/>
             <a:r>
-              <a:rPr lang="fr-FR" sz="4800" b="1" dirty="0">
+              <a:rPr lang="fr-FR" b="1" dirty="0" smtClean="0">
                 <a:solidFill>
                   <a:schemeClr val="tx1"/>
                 </a:solidFill>
               </a:rPr>
-              <a:t>3</a:t>
-            </a:r>
-          </a:p>
-        </p:txBody>
-      </p:sp>
-      <p:sp>
-        <p:nvSpPr>
-          <p:cNvPr id="80" name="Rectangle 79"/>
+              <a:t>15</a:t>
+            </a:r>
+            <a:endParaRPr lang="fr-FR" b="1" dirty="0">
+              <a:solidFill>
+                <a:schemeClr val="tx1"/>
+              </a:solidFill>
+            </a:endParaRPr>
+          </a:p>
+        </p:txBody>
+      </p:sp>
+      <p:sp>
+        <p:nvSpPr>
+          <p:cNvPr id="240" name="Rectangle 239"/>
           <p:cNvSpPr/>
           <p:nvPr/>
         </p:nvSpPr>
         <p:spPr>
           <a:xfrm rot="5400000">
-            <a:off x="7746724" y="6014920"/>
-            <a:ext cx="347296" cy="360040"/>
+            <a:off x="-38767" y="4418463"/>
+            <a:ext cx="491316" cy="294733"/>
           </a:xfrm>
           <a:prstGeom prst="rect">
             <a:avLst/>
@@ -6389,26 +7648,31 @@
           <a:p>
             <a:pPr algn="ctr"/>
             <a:r>
-              <a:rPr lang="fr-FR" sz="1200" b="1" dirty="0">
+              <a:rPr lang="fr-FR" b="1" dirty="0" smtClean="0">
                 <a:solidFill>
                   <a:schemeClr val="tx1"/>
                 </a:solidFill>
               </a:rPr>
-              <a:t>1</a:t>
-            </a:r>
-          </a:p>
-        </p:txBody>
-      </p:sp>
-      <p:sp>
-        <p:nvSpPr>
-          <p:cNvPr id="81" name="Rectangle 80"/>
+              <a:t>10</a:t>
+            </a:r>
+            <a:endParaRPr lang="fr-FR" b="1" dirty="0">
+              <a:solidFill>
+                <a:schemeClr val="tx1"/>
+              </a:solidFill>
+            </a:endParaRPr>
+          </a:p>
+        </p:txBody>
+      </p:sp>
+      <p:sp>
+        <p:nvSpPr>
+          <p:cNvPr id="241" name="Rectangle 240"/>
           <p:cNvSpPr/>
           <p:nvPr/>
         </p:nvSpPr>
         <p:spPr>
           <a:xfrm rot="5400000">
-            <a:off x="7754754" y="6370247"/>
-            <a:ext cx="332645" cy="358630"/>
+            <a:off x="-38768" y="5033950"/>
+            <a:ext cx="491316" cy="294733"/>
           </a:xfrm>
           <a:prstGeom prst="rect">
             <a:avLst/>
@@ -6439,86 +7703,31 @@
           <a:p>
             <a:pPr algn="ctr"/>
             <a:r>
-              <a:rPr lang="fr-FR" sz="2000" b="1" dirty="0">
+              <a:rPr lang="fr-FR" b="1" dirty="0" smtClean="0">
                 <a:solidFill>
                   <a:schemeClr val="tx1"/>
                 </a:solidFill>
               </a:rPr>
-              <a:t>3</a:t>
-            </a:r>
-          </a:p>
-        </p:txBody>
-      </p:sp>
-      <p:sp>
-        <p:nvSpPr>
-          <p:cNvPr id="82" name="ZoneTexte 81"/>
-          <p:cNvSpPr txBox="1"/>
-          <p:nvPr/>
-        </p:nvSpPr>
-        <p:spPr>
-          <a:xfrm rot="10800000">
-            <a:off x="8100392" y="6056441"/>
-            <a:ext cx="461152" cy="276999"/>
-          </a:xfrm>
-          <a:prstGeom prst="rect">
-            <a:avLst/>
-          </a:prstGeom>
-          <a:noFill/>
-        </p:spPr>
-        <p:txBody>
-          <a:bodyPr wrap="none" rtlCol="0">
-            <a:spAutoFit/>
-          </a:bodyPr>
-          <a:lstStyle/>
-          <a:p>
-            <a:r>
-              <a:rPr lang="fr-FR" sz="1200" dirty="0" smtClean="0"/>
-              <a:t>Tour</a:t>
-            </a:r>
-            <a:endParaRPr lang="fr-FR" sz="1200" dirty="0"/>
-          </a:p>
-        </p:txBody>
-      </p:sp>
-      <p:sp>
-        <p:nvSpPr>
-          <p:cNvPr id="83" name="ZoneTexte 82"/>
-          <p:cNvSpPr txBox="1"/>
-          <p:nvPr/>
-        </p:nvSpPr>
-        <p:spPr>
-          <a:xfrm rot="10800000">
-            <a:off x="8106675" y="6438886"/>
-            <a:ext cx="588623" cy="276999"/>
-          </a:xfrm>
-          <a:prstGeom prst="rect">
-            <a:avLst/>
-          </a:prstGeom>
-          <a:noFill/>
-        </p:spPr>
-        <p:txBody>
-          <a:bodyPr wrap="none" rtlCol="0">
-            <a:spAutoFit/>
-          </a:bodyPr>
-          <a:lstStyle/>
-          <a:p>
-            <a:r>
-              <a:rPr lang="fr-FR" sz="1200" dirty="0" smtClean="0"/>
-              <a:t>Action</a:t>
-            </a:r>
-            <a:endParaRPr lang="fr-FR" sz="1200" dirty="0"/>
-          </a:p>
-        </p:txBody>
-      </p:sp>
-      <p:sp>
-        <p:nvSpPr>
-          <p:cNvPr id="84" name="Rectangle 83"/>
+              <a:t>10</a:t>
+            </a:r>
+            <a:endParaRPr lang="fr-FR" b="1" dirty="0">
+              <a:solidFill>
+                <a:schemeClr val="tx1"/>
+              </a:solidFill>
+            </a:endParaRPr>
+          </a:p>
+        </p:txBody>
+      </p:sp>
+      <p:sp>
+        <p:nvSpPr>
+          <p:cNvPr id="242" name="Rectangle 241"/>
           <p:cNvSpPr/>
           <p:nvPr/>
         </p:nvSpPr>
         <p:spPr>
           <a:xfrm rot="5400000">
-            <a:off x="7314676" y="6014916"/>
-            <a:ext cx="347296" cy="360040"/>
+            <a:off x="260999" y="5610459"/>
+            <a:ext cx="491316" cy="294733"/>
           </a:xfrm>
           <a:prstGeom prst="rect">
             <a:avLst/>
@@ -6549,14 +7758,14 @@
           <a:p>
             <a:pPr algn="ctr"/>
             <a:r>
-              <a:rPr lang="fr-FR" sz="1200" b="1" dirty="0" smtClean="0">
+              <a:rPr lang="fr-FR" b="1" dirty="0" smtClean="0">
                 <a:solidFill>
                   <a:schemeClr val="tx1"/>
                 </a:solidFill>
               </a:rPr>
-              <a:t>2</a:t>
-            </a:r>
-            <a:endParaRPr lang="fr-FR" sz="1200" b="1" dirty="0">
+              <a:t>17</a:t>
+            </a:r>
+            <a:endParaRPr lang="fr-FR" b="1" dirty="0">
               <a:solidFill>
                 <a:schemeClr val="tx1"/>
               </a:solidFill>
@@ -6566,14 +7775,14 @@
       </p:sp>
       <p:sp>
         <p:nvSpPr>
-          <p:cNvPr id="85" name="Rectangle 84"/>
+          <p:cNvPr id="243" name="Rectangle 242"/>
           <p:cNvSpPr/>
           <p:nvPr/>
         </p:nvSpPr>
         <p:spPr>
           <a:xfrm rot="5400000">
-            <a:off x="7322706" y="6370243"/>
-            <a:ext cx="332645" cy="358630"/>
+            <a:off x="-33735" y="5613484"/>
+            <a:ext cx="491316" cy="294733"/>
           </a:xfrm>
           <a:prstGeom prst="rect">
             <a:avLst/>
@@ -6604,26 +7813,31 @@
           <a:p>
             <a:pPr algn="ctr"/>
             <a:r>
-              <a:rPr lang="fr-FR" sz="2000" b="1" dirty="0">
+              <a:rPr lang="fr-FR" b="1" dirty="0" smtClean="0">
                 <a:solidFill>
                   <a:schemeClr val="tx1"/>
                 </a:solidFill>
               </a:rPr>
-              <a:t>3</a:t>
-            </a:r>
-          </a:p>
-        </p:txBody>
-      </p:sp>
-      <p:sp>
-        <p:nvSpPr>
-          <p:cNvPr id="86" name="Rectangle 85"/>
+              <a:t>11</a:t>
+            </a:r>
+            <a:endParaRPr lang="fr-FR" b="1" dirty="0">
+              <a:solidFill>
+                <a:schemeClr val="tx1"/>
+              </a:solidFill>
+            </a:endParaRPr>
+          </a:p>
+        </p:txBody>
+      </p:sp>
+      <p:sp>
+        <p:nvSpPr>
+          <p:cNvPr id="244" name="Rectangle 243"/>
           <p:cNvSpPr/>
           <p:nvPr/>
         </p:nvSpPr>
         <p:spPr>
           <a:xfrm rot="5400000">
-            <a:off x="6882628" y="6014916"/>
-            <a:ext cx="347296" cy="360040"/>
+            <a:off x="260999" y="5037080"/>
+            <a:ext cx="491316" cy="294733"/>
           </a:xfrm>
           <a:prstGeom prst="rect">
             <a:avLst/>
@@ -6654,14 +7868,14 @@
           <a:p>
             <a:pPr algn="ctr"/>
             <a:r>
-              <a:rPr lang="fr-FR" sz="1200" b="1" dirty="0" smtClean="0">
+              <a:rPr lang="fr-FR" b="1" dirty="0" smtClean="0">
                 <a:solidFill>
                   <a:schemeClr val="tx1"/>
                 </a:solidFill>
               </a:rPr>
-              <a:t>3</a:t>
-            </a:r>
-            <a:endParaRPr lang="fr-FR" sz="1200" b="1" dirty="0">
+              <a:t>16</a:t>
+            </a:r>
+            <a:endParaRPr lang="fr-FR" b="1" dirty="0">
               <a:solidFill>
                 <a:schemeClr val="tx1"/>
               </a:solidFill>
@@ -6671,14 +7885,14 @@
       </p:sp>
       <p:sp>
         <p:nvSpPr>
-          <p:cNvPr id="87" name="Rectangle 86"/>
+          <p:cNvPr id="245" name="Rectangle 244"/>
           <p:cNvSpPr/>
           <p:nvPr/>
         </p:nvSpPr>
         <p:spPr>
           <a:xfrm rot="5400000">
-            <a:off x="6890658" y="6370243"/>
-            <a:ext cx="332645" cy="358630"/>
+            <a:off x="905175" y="6192221"/>
+            <a:ext cx="491316" cy="294733"/>
           </a:xfrm>
           <a:prstGeom prst="rect">
             <a:avLst/>
@@ -6709,26 +7923,31 @@
           <a:p>
             <a:pPr algn="ctr"/>
             <a:r>
-              <a:rPr lang="fr-FR" sz="2000" b="1" dirty="0">
+              <a:rPr lang="fr-FR" b="1" dirty="0" smtClean="0">
                 <a:solidFill>
                   <a:schemeClr val="tx1"/>
                 </a:solidFill>
               </a:rPr>
-              <a:t>3</a:t>
-            </a:r>
-          </a:p>
-        </p:txBody>
-      </p:sp>
-      <p:sp>
-        <p:nvSpPr>
-          <p:cNvPr id="88" name="Rectangle 87"/>
+              <a:t>9</a:t>
+            </a:r>
+            <a:endParaRPr lang="fr-FR" b="1" dirty="0">
+              <a:solidFill>
+                <a:schemeClr val="tx1"/>
+              </a:solidFill>
+            </a:endParaRPr>
+          </a:p>
+        </p:txBody>
+      </p:sp>
+      <p:sp>
+        <p:nvSpPr>
+          <p:cNvPr id="246" name="Rectangle 245"/>
           <p:cNvSpPr/>
           <p:nvPr/>
         </p:nvSpPr>
         <p:spPr>
           <a:xfrm rot="5400000">
-            <a:off x="6450580" y="6014916"/>
-            <a:ext cx="347296" cy="360040"/>
+            <a:off x="610441" y="6195246"/>
+            <a:ext cx="491316" cy="294733"/>
           </a:xfrm>
           <a:prstGeom prst="rect">
             <a:avLst/>
@@ -6759,26 +7978,31 @@
           <a:p>
             <a:pPr algn="ctr"/>
             <a:r>
-              <a:rPr lang="fr-FR" sz="1200" b="1" dirty="0">
+              <a:rPr lang="fr-FR" b="1" dirty="0" smtClean="0">
                 <a:solidFill>
                   <a:schemeClr val="tx1"/>
                 </a:solidFill>
               </a:rPr>
-              <a:t>4</a:t>
-            </a:r>
-          </a:p>
-        </p:txBody>
-      </p:sp>
-      <p:sp>
-        <p:nvSpPr>
-          <p:cNvPr id="89" name="Rectangle 88"/>
+              <a:t>8</a:t>
+            </a:r>
+            <a:endParaRPr lang="fr-FR" b="1" dirty="0">
+              <a:solidFill>
+                <a:schemeClr val="tx1"/>
+              </a:solidFill>
+            </a:endParaRPr>
+          </a:p>
+        </p:txBody>
+      </p:sp>
+      <p:sp>
+        <p:nvSpPr>
+          <p:cNvPr id="247" name="Rectangle 246"/>
           <p:cNvSpPr/>
           <p:nvPr/>
         </p:nvSpPr>
         <p:spPr>
           <a:xfrm rot="5400000">
-            <a:off x="6458610" y="6370243"/>
-            <a:ext cx="332645" cy="358630"/>
+            <a:off x="265234" y="6192221"/>
+            <a:ext cx="491316" cy="294733"/>
           </a:xfrm>
           <a:prstGeom prst="rect">
             <a:avLst/>
@@ -6809,26 +8033,31 @@
           <a:p>
             <a:pPr algn="ctr"/>
             <a:r>
-              <a:rPr lang="fr-FR" sz="2000" b="1" dirty="0">
+              <a:rPr lang="fr-FR" b="1" dirty="0" smtClean="0">
                 <a:solidFill>
                   <a:schemeClr val="tx1"/>
                 </a:solidFill>
               </a:rPr>
-              <a:t>3</a:t>
-            </a:r>
-          </a:p>
-        </p:txBody>
-      </p:sp>
-      <p:sp>
-        <p:nvSpPr>
-          <p:cNvPr id="90" name="Rectangle 89"/>
+              <a:t>+</a:t>
+            </a:r>
+            <a:endParaRPr lang="fr-FR" b="1" dirty="0">
+              <a:solidFill>
+                <a:schemeClr val="tx1"/>
+              </a:solidFill>
+            </a:endParaRPr>
+          </a:p>
+        </p:txBody>
+      </p:sp>
+      <p:sp>
+        <p:nvSpPr>
+          <p:cNvPr id="248" name="Rectangle 247"/>
           <p:cNvSpPr/>
           <p:nvPr/>
         </p:nvSpPr>
         <p:spPr>
           <a:xfrm rot="5400000">
-            <a:off x="6018532" y="6014916"/>
-            <a:ext cx="347296" cy="360040"/>
+            <a:off x="-29500" y="6195246"/>
+            <a:ext cx="491316" cy="294733"/>
           </a:xfrm>
           <a:prstGeom prst="rect">
             <a:avLst/>
@@ -6859,1083 +8088,18 @@
           <a:p>
             <a:pPr algn="ctr"/>
             <a:r>
-              <a:rPr lang="fr-FR" sz="1200" b="1" dirty="0" smtClean="0">
+              <a:rPr lang="fr-FR" b="1" dirty="0" smtClean="0">
                 <a:solidFill>
                   <a:schemeClr val="tx1"/>
                 </a:solidFill>
               </a:rPr>
-              <a:t>5</a:t>
-            </a:r>
-            <a:endParaRPr lang="fr-FR" sz="1200" b="1" dirty="0">
+              <a:t>11</a:t>
+            </a:r>
+            <a:endParaRPr lang="fr-FR" b="1" dirty="0">
               <a:solidFill>
                 <a:schemeClr val="tx1"/>
               </a:solidFill>
             </a:endParaRPr>
-          </a:p>
-        </p:txBody>
-      </p:sp>
-      <p:sp>
-        <p:nvSpPr>
-          <p:cNvPr id="91" name="Rectangle 90"/>
-          <p:cNvSpPr/>
-          <p:nvPr/>
-        </p:nvSpPr>
-        <p:spPr>
-          <a:xfrm rot="5400000">
-            <a:off x="6026562" y="6370243"/>
-            <a:ext cx="332645" cy="358630"/>
-          </a:xfrm>
-          <a:prstGeom prst="rect">
-            <a:avLst/>
-          </a:prstGeom>
-          <a:solidFill>
-            <a:schemeClr val="bg1"/>
-          </a:solidFill>
-        </p:spPr>
-        <p:style>
-          <a:lnRef idx="2">
-            <a:schemeClr val="accent1">
-              <a:shade val="50000"/>
-            </a:schemeClr>
-          </a:lnRef>
-          <a:fillRef idx="1">
-            <a:schemeClr val="accent1"/>
-          </a:fillRef>
-          <a:effectRef idx="0">
-            <a:schemeClr val="accent1"/>
-          </a:effectRef>
-          <a:fontRef idx="minor">
-            <a:schemeClr val="lt1"/>
-          </a:fontRef>
-        </p:style>
-        <p:txBody>
-          <a:bodyPr rtlCol="0" anchor="ctr"/>
-          <a:lstStyle/>
-          <a:p>
-            <a:pPr algn="ctr"/>
-            <a:r>
-              <a:rPr lang="fr-FR" sz="2000" b="1" dirty="0">
-                <a:solidFill>
-                  <a:schemeClr val="tx1"/>
-                </a:solidFill>
-              </a:rPr>
-              <a:t>3</a:t>
-            </a:r>
-          </a:p>
-        </p:txBody>
-      </p:sp>
-      <p:sp>
-        <p:nvSpPr>
-          <p:cNvPr id="92" name="Rectangle 91"/>
-          <p:cNvSpPr/>
-          <p:nvPr/>
-        </p:nvSpPr>
-        <p:spPr>
-          <a:xfrm rot="5400000">
-            <a:off x="5586484" y="6014916"/>
-            <a:ext cx="347296" cy="360040"/>
-          </a:xfrm>
-          <a:prstGeom prst="rect">
-            <a:avLst/>
-          </a:prstGeom>
-          <a:solidFill>
-            <a:schemeClr val="bg1"/>
-          </a:solidFill>
-        </p:spPr>
-        <p:style>
-          <a:lnRef idx="2">
-            <a:schemeClr val="accent1">
-              <a:shade val="50000"/>
-            </a:schemeClr>
-          </a:lnRef>
-          <a:fillRef idx="1">
-            <a:schemeClr val="accent1"/>
-          </a:fillRef>
-          <a:effectRef idx="0">
-            <a:schemeClr val="accent1"/>
-          </a:effectRef>
-          <a:fontRef idx="minor">
-            <a:schemeClr val="lt1"/>
-          </a:fontRef>
-        </p:style>
-        <p:txBody>
-          <a:bodyPr rtlCol="0" anchor="ctr"/>
-          <a:lstStyle/>
-          <a:p>
-            <a:pPr algn="ctr"/>
-            <a:r>
-              <a:rPr lang="fr-FR" sz="1200" b="1" dirty="0" smtClean="0">
-                <a:solidFill>
-                  <a:schemeClr val="tx1"/>
-                </a:solidFill>
-              </a:rPr>
-              <a:t>6</a:t>
-            </a:r>
-            <a:endParaRPr lang="fr-FR" sz="1200" b="1" dirty="0">
-              <a:solidFill>
-                <a:schemeClr val="tx1"/>
-              </a:solidFill>
-            </a:endParaRPr>
-          </a:p>
-        </p:txBody>
-      </p:sp>
-      <p:sp>
-        <p:nvSpPr>
-          <p:cNvPr id="93" name="Rectangle 92"/>
-          <p:cNvSpPr/>
-          <p:nvPr/>
-        </p:nvSpPr>
-        <p:spPr>
-          <a:xfrm rot="5400000">
-            <a:off x="5594514" y="6370243"/>
-            <a:ext cx="332645" cy="358630"/>
-          </a:xfrm>
-          <a:prstGeom prst="rect">
-            <a:avLst/>
-          </a:prstGeom>
-          <a:solidFill>
-            <a:schemeClr val="bg1"/>
-          </a:solidFill>
-        </p:spPr>
-        <p:style>
-          <a:lnRef idx="2">
-            <a:schemeClr val="accent1">
-              <a:shade val="50000"/>
-            </a:schemeClr>
-          </a:lnRef>
-          <a:fillRef idx="1">
-            <a:schemeClr val="accent1"/>
-          </a:fillRef>
-          <a:effectRef idx="0">
-            <a:schemeClr val="accent1"/>
-          </a:effectRef>
-          <a:fontRef idx="minor">
-            <a:schemeClr val="lt1"/>
-          </a:fontRef>
-        </p:style>
-        <p:txBody>
-          <a:bodyPr rtlCol="0" anchor="ctr"/>
-          <a:lstStyle/>
-          <a:p>
-            <a:pPr algn="ctr"/>
-            <a:r>
-              <a:rPr lang="fr-FR" sz="2000" b="1" dirty="0">
-                <a:solidFill>
-                  <a:schemeClr val="tx1"/>
-                </a:solidFill>
-              </a:rPr>
-              <a:t>3</a:t>
-            </a:r>
-          </a:p>
-        </p:txBody>
-      </p:sp>
-      <p:sp>
-        <p:nvSpPr>
-          <p:cNvPr id="94" name="Rectangle 93"/>
-          <p:cNvSpPr/>
-          <p:nvPr/>
-        </p:nvSpPr>
-        <p:spPr>
-          <a:xfrm rot="5400000">
-            <a:off x="5154436" y="6014916"/>
-            <a:ext cx="347296" cy="360040"/>
-          </a:xfrm>
-          <a:prstGeom prst="rect">
-            <a:avLst/>
-          </a:prstGeom>
-          <a:solidFill>
-            <a:schemeClr val="bg1"/>
-          </a:solidFill>
-        </p:spPr>
-        <p:style>
-          <a:lnRef idx="2">
-            <a:schemeClr val="accent1">
-              <a:shade val="50000"/>
-            </a:schemeClr>
-          </a:lnRef>
-          <a:fillRef idx="1">
-            <a:schemeClr val="accent1"/>
-          </a:fillRef>
-          <a:effectRef idx="0">
-            <a:schemeClr val="accent1"/>
-          </a:effectRef>
-          <a:fontRef idx="minor">
-            <a:schemeClr val="lt1"/>
-          </a:fontRef>
-        </p:style>
-        <p:txBody>
-          <a:bodyPr rtlCol="0" anchor="ctr"/>
-          <a:lstStyle/>
-          <a:p>
-            <a:pPr algn="ctr"/>
-            <a:r>
-              <a:rPr lang="fr-FR" sz="1200" b="1" dirty="0">
-                <a:solidFill>
-                  <a:schemeClr val="tx1"/>
-                </a:solidFill>
-              </a:rPr>
-              <a:t>7</a:t>
-            </a:r>
-          </a:p>
-        </p:txBody>
-      </p:sp>
-      <p:sp>
-        <p:nvSpPr>
-          <p:cNvPr id="95" name="Rectangle 94"/>
-          <p:cNvSpPr/>
-          <p:nvPr/>
-        </p:nvSpPr>
-        <p:spPr>
-          <a:xfrm rot="5400000">
-            <a:off x="5162466" y="6370243"/>
-            <a:ext cx="332645" cy="358630"/>
-          </a:xfrm>
-          <a:prstGeom prst="rect">
-            <a:avLst/>
-          </a:prstGeom>
-          <a:solidFill>
-            <a:schemeClr val="bg1"/>
-          </a:solidFill>
-        </p:spPr>
-        <p:style>
-          <a:lnRef idx="2">
-            <a:schemeClr val="accent1">
-              <a:shade val="50000"/>
-            </a:schemeClr>
-          </a:lnRef>
-          <a:fillRef idx="1">
-            <a:schemeClr val="accent1"/>
-          </a:fillRef>
-          <a:effectRef idx="0">
-            <a:schemeClr val="accent1"/>
-          </a:effectRef>
-          <a:fontRef idx="minor">
-            <a:schemeClr val="lt1"/>
-          </a:fontRef>
-        </p:style>
-        <p:txBody>
-          <a:bodyPr rtlCol="0" anchor="ctr"/>
-          <a:lstStyle/>
-          <a:p>
-            <a:pPr algn="ctr"/>
-            <a:r>
-              <a:rPr lang="fr-FR" sz="2000" b="1" dirty="0">
-                <a:solidFill>
-                  <a:schemeClr val="tx1"/>
-                </a:solidFill>
-              </a:rPr>
-              <a:t>3</a:t>
-            </a:r>
-          </a:p>
-        </p:txBody>
-      </p:sp>
-      <p:sp>
-        <p:nvSpPr>
-          <p:cNvPr id="96" name="Rectangle 95"/>
-          <p:cNvSpPr/>
-          <p:nvPr/>
-        </p:nvSpPr>
-        <p:spPr>
-          <a:xfrm rot="5400000">
-            <a:off x="4722388" y="6014916"/>
-            <a:ext cx="347296" cy="360040"/>
-          </a:xfrm>
-          <a:prstGeom prst="rect">
-            <a:avLst/>
-          </a:prstGeom>
-          <a:solidFill>
-            <a:schemeClr val="bg1"/>
-          </a:solidFill>
-        </p:spPr>
-        <p:style>
-          <a:lnRef idx="2">
-            <a:schemeClr val="accent1">
-              <a:shade val="50000"/>
-            </a:schemeClr>
-          </a:lnRef>
-          <a:fillRef idx="1">
-            <a:schemeClr val="accent1"/>
-          </a:fillRef>
-          <a:effectRef idx="0">
-            <a:schemeClr val="accent1"/>
-          </a:effectRef>
-          <a:fontRef idx="minor">
-            <a:schemeClr val="lt1"/>
-          </a:fontRef>
-        </p:style>
-        <p:txBody>
-          <a:bodyPr rtlCol="0" anchor="ctr"/>
-          <a:lstStyle/>
-          <a:p>
-            <a:pPr algn="ctr"/>
-            <a:r>
-              <a:rPr lang="fr-FR" sz="1200" b="1" dirty="0">
-                <a:solidFill>
-                  <a:schemeClr val="tx1"/>
-                </a:solidFill>
-              </a:rPr>
-              <a:t>8</a:t>
-            </a:r>
-          </a:p>
-        </p:txBody>
-      </p:sp>
-      <p:sp>
-        <p:nvSpPr>
-          <p:cNvPr id="97" name="Rectangle 96"/>
-          <p:cNvSpPr/>
-          <p:nvPr/>
-        </p:nvSpPr>
-        <p:spPr>
-          <a:xfrm rot="5400000">
-            <a:off x="4730418" y="6370243"/>
-            <a:ext cx="332645" cy="358630"/>
-          </a:xfrm>
-          <a:prstGeom prst="rect">
-            <a:avLst/>
-          </a:prstGeom>
-          <a:solidFill>
-            <a:schemeClr val="bg1"/>
-          </a:solidFill>
-        </p:spPr>
-        <p:style>
-          <a:lnRef idx="2">
-            <a:schemeClr val="accent1">
-              <a:shade val="50000"/>
-            </a:schemeClr>
-          </a:lnRef>
-          <a:fillRef idx="1">
-            <a:schemeClr val="accent1"/>
-          </a:fillRef>
-          <a:effectRef idx="0">
-            <a:schemeClr val="accent1"/>
-          </a:effectRef>
-          <a:fontRef idx="minor">
-            <a:schemeClr val="lt1"/>
-          </a:fontRef>
-        </p:style>
-        <p:txBody>
-          <a:bodyPr rtlCol="0" anchor="ctr"/>
-          <a:lstStyle/>
-          <a:p>
-            <a:pPr algn="ctr"/>
-            <a:r>
-              <a:rPr lang="fr-FR" sz="2000" b="1" dirty="0">
-                <a:solidFill>
-                  <a:schemeClr val="tx1"/>
-                </a:solidFill>
-              </a:rPr>
-              <a:t>3</a:t>
-            </a:r>
-          </a:p>
-        </p:txBody>
-      </p:sp>
-      <p:sp>
-        <p:nvSpPr>
-          <p:cNvPr id="98" name="Rectangle 97"/>
-          <p:cNvSpPr/>
-          <p:nvPr/>
-        </p:nvSpPr>
-        <p:spPr>
-          <a:xfrm rot="5400000">
-            <a:off x="4290340" y="6014916"/>
-            <a:ext cx="347296" cy="360040"/>
-          </a:xfrm>
-          <a:prstGeom prst="rect">
-            <a:avLst/>
-          </a:prstGeom>
-          <a:solidFill>
-            <a:schemeClr val="bg1"/>
-          </a:solidFill>
-        </p:spPr>
-        <p:style>
-          <a:lnRef idx="2">
-            <a:schemeClr val="accent1">
-              <a:shade val="50000"/>
-            </a:schemeClr>
-          </a:lnRef>
-          <a:fillRef idx="1">
-            <a:schemeClr val="accent1"/>
-          </a:fillRef>
-          <a:effectRef idx="0">
-            <a:schemeClr val="accent1"/>
-          </a:effectRef>
-          <a:fontRef idx="minor">
-            <a:schemeClr val="lt1"/>
-          </a:fontRef>
-        </p:style>
-        <p:txBody>
-          <a:bodyPr rtlCol="0" anchor="ctr"/>
-          <a:lstStyle/>
-          <a:p>
-            <a:pPr algn="ctr"/>
-            <a:r>
-              <a:rPr lang="fr-FR" sz="1200" b="1" dirty="0" smtClean="0">
-                <a:solidFill>
-                  <a:schemeClr val="tx1"/>
-                </a:solidFill>
-              </a:rPr>
-              <a:t>9</a:t>
-            </a:r>
-            <a:endParaRPr lang="fr-FR" sz="1200" b="1" dirty="0">
-              <a:solidFill>
-                <a:schemeClr val="tx1"/>
-              </a:solidFill>
-            </a:endParaRPr>
-          </a:p>
-        </p:txBody>
-      </p:sp>
-      <p:sp>
-        <p:nvSpPr>
-          <p:cNvPr id="99" name="Rectangle 98"/>
-          <p:cNvSpPr/>
-          <p:nvPr/>
-        </p:nvSpPr>
-        <p:spPr>
-          <a:xfrm rot="5400000">
-            <a:off x="4298370" y="6370243"/>
-            <a:ext cx="332645" cy="358630"/>
-          </a:xfrm>
-          <a:prstGeom prst="rect">
-            <a:avLst/>
-          </a:prstGeom>
-          <a:solidFill>
-            <a:schemeClr val="bg1"/>
-          </a:solidFill>
-        </p:spPr>
-        <p:style>
-          <a:lnRef idx="2">
-            <a:schemeClr val="accent1">
-              <a:shade val="50000"/>
-            </a:schemeClr>
-          </a:lnRef>
-          <a:fillRef idx="1">
-            <a:schemeClr val="accent1"/>
-          </a:fillRef>
-          <a:effectRef idx="0">
-            <a:schemeClr val="accent1"/>
-          </a:effectRef>
-          <a:fontRef idx="minor">
-            <a:schemeClr val="lt1"/>
-          </a:fontRef>
-        </p:style>
-        <p:txBody>
-          <a:bodyPr rtlCol="0" anchor="ctr"/>
-          <a:lstStyle/>
-          <a:p>
-            <a:pPr algn="ctr"/>
-            <a:r>
-              <a:rPr lang="fr-FR" sz="2000" b="1" dirty="0">
-                <a:solidFill>
-                  <a:schemeClr val="tx1"/>
-                </a:solidFill>
-              </a:rPr>
-              <a:t>3</a:t>
-            </a:r>
-          </a:p>
-        </p:txBody>
-      </p:sp>
-      <p:sp>
-        <p:nvSpPr>
-          <p:cNvPr id="100" name="Rectangle 99"/>
-          <p:cNvSpPr/>
-          <p:nvPr/>
-        </p:nvSpPr>
-        <p:spPr>
-          <a:xfrm rot="5400000">
-            <a:off x="3858292" y="6014916"/>
-            <a:ext cx="347296" cy="360040"/>
-          </a:xfrm>
-          <a:prstGeom prst="rect">
-            <a:avLst/>
-          </a:prstGeom>
-          <a:solidFill>
-            <a:schemeClr val="bg1"/>
-          </a:solidFill>
-        </p:spPr>
-        <p:style>
-          <a:lnRef idx="2">
-            <a:schemeClr val="accent1">
-              <a:shade val="50000"/>
-            </a:schemeClr>
-          </a:lnRef>
-          <a:fillRef idx="1">
-            <a:schemeClr val="accent1"/>
-          </a:fillRef>
-          <a:effectRef idx="0">
-            <a:schemeClr val="accent1"/>
-          </a:effectRef>
-          <a:fontRef idx="minor">
-            <a:schemeClr val="lt1"/>
-          </a:fontRef>
-        </p:style>
-        <p:txBody>
-          <a:bodyPr rtlCol="0" anchor="ctr"/>
-          <a:lstStyle/>
-          <a:p>
-            <a:pPr algn="ctr"/>
-            <a:r>
-              <a:rPr lang="fr-FR" sz="1200" b="1" dirty="0" smtClean="0">
-                <a:solidFill>
-                  <a:schemeClr val="tx1"/>
-                </a:solidFill>
-              </a:rPr>
-              <a:t>10</a:t>
-            </a:r>
-            <a:endParaRPr lang="fr-FR" sz="1200" b="1" dirty="0">
-              <a:solidFill>
-                <a:schemeClr val="tx1"/>
-              </a:solidFill>
-            </a:endParaRPr>
-          </a:p>
-        </p:txBody>
-      </p:sp>
-      <p:sp>
-        <p:nvSpPr>
-          <p:cNvPr id="101" name="Rectangle 100"/>
-          <p:cNvSpPr/>
-          <p:nvPr/>
-        </p:nvSpPr>
-        <p:spPr>
-          <a:xfrm rot="5400000">
-            <a:off x="3866322" y="6370243"/>
-            <a:ext cx="332645" cy="358630"/>
-          </a:xfrm>
-          <a:prstGeom prst="rect">
-            <a:avLst/>
-          </a:prstGeom>
-          <a:solidFill>
-            <a:schemeClr val="bg1"/>
-          </a:solidFill>
-        </p:spPr>
-        <p:style>
-          <a:lnRef idx="2">
-            <a:schemeClr val="accent1">
-              <a:shade val="50000"/>
-            </a:schemeClr>
-          </a:lnRef>
-          <a:fillRef idx="1">
-            <a:schemeClr val="accent1"/>
-          </a:fillRef>
-          <a:effectRef idx="0">
-            <a:schemeClr val="accent1"/>
-          </a:effectRef>
-          <a:fontRef idx="minor">
-            <a:schemeClr val="lt1"/>
-          </a:fontRef>
-        </p:style>
-        <p:txBody>
-          <a:bodyPr rtlCol="0" anchor="ctr"/>
-          <a:lstStyle/>
-          <a:p>
-            <a:pPr algn="ctr"/>
-            <a:r>
-              <a:rPr lang="fr-FR" sz="2000" b="1" dirty="0">
-                <a:solidFill>
-                  <a:schemeClr val="tx1"/>
-                </a:solidFill>
-              </a:rPr>
-              <a:t>3</a:t>
-            </a:r>
-          </a:p>
-        </p:txBody>
-      </p:sp>
-      <p:sp>
-        <p:nvSpPr>
-          <p:cNvPr id="102" name="Rectangle 101"/>
-          <p:cNvSpPr/>
-          <p:nvPr/>
-        </p:nvSpPr>
-        <p:spPr>
-          <a:xfrm rot="5400000">
-            <a:off x="3426244" y="6014916"/>
-            <a:ext cx="347296" cy="360040"/>
-          </a:xfrm>
-          <a:prstGeom prst="rect">
-            <a:avLst/>
-          </a:prstGeom>
-          <a:solidFill>
-            <a:schemeClr val="bg1"/>
-          </a:solidFill>
-        </p:spPr>
-        <p:style>
-          <a:lnRef idx="2">
-            <a:schemeClr val="accent1">
-              <a:shade val="50000"/>
-            </a:schemeClr>
-          </a:lnRef>
-          <a:fillRef idx="1">
-            <a:schemeClr val="accent1"/>
-          </a:fillRef>
-          <a:effectRef idx="0">
-            <a:schemeClr val="accent1"/>
-          </a:effectRef>
-          <a:fontRef idx="minor">
-            <a:schemeClr val="lt1"/>
-          </a:fontRef>
-        </p:style>
-        <p:txBody>
-          <a:bodyPr rtlCol="0" anchor="ctr"/>
-          <a:lstStyle/>
-          <a:p>
-            <a:pPr algn="ctr"/>
-            <a:r>
-              <a:rPr lang="fr-FR" sz="2000" b="1" dirty="0">
-                <a:solidFill>
-                  <a:schemeClr val="tx1"/>
-                </a:solidFill>
-              </a:rPr>
-              <a:t>1</a:t>
-            </a:r>
-          </a:p>
-        </p:txBody>
-      </p:sp>
-      <p:sp>
-        <p:nvSpPr>
-          <p:cNvPr id="103" name="Rectangle 102"/>
-          <p:cNvSpPr/>
-          <p:nvPr/>
-        </p:nvSpPr>
-        <p:spPr>
-          <a:xfrm rot="5400000">
-            <a:off x="3434274" y="6370243"/>
-            <a:ext cx="332645" cy="358630"/>
-          </a:xfrm>
-          <a:prstGeom prst="rect">
-            <a:avLst/>
-          </a:prstGeom>
-          <a:solidFill>
-            <a:schemeClr val="bg1"/>
-          </a:solidFill>
-        </p:spPr>
-        <p:style>
-          <a:lnRef idx="2">
-            <a:schemeClr val="accent1">
-              <a:shade val="50000"/>
-            </a:schemeClr>
-          </a:lnRef>
-          <a:fillRef idx="1">
-            <a:schemeClr val="accent1"/>
-          </a:fillRef>
-          <a:effectRef idx="0">
-            <a:schemeClr val="accent1"/>
-          </a:effectRef>
-          <a:fontRef idx="minor">
-            <a:schemeClr val="lt1"/>
-          </a:fontRef>
-        </p:style>
-        <p:txBody>
-          <a:bodyPr rtlCol="0" anchor="ctr"/>
-          <a:lstStyle/>
-          <a:p>
-            <a:pPr algn="ctr"/>
-            <a:r>
-              <a:rPr lang="fr-FR" sz="2000" b="1" dirty="0">
-                <a:solidFill>
-                  <a:schemeClr val="tx1"/>
-                </a:solidFill>
-              </a:rPr>
-              <a:t>3</a:t>
-            </a:r>
-          </a:p>
-        </p:txBody>
-      </p:sp>
-      <p:sp>
-        <p:nvSpPr>
-          <p:cNvPr id="104" name="Rectangle 103"/>
-          <p:cNvSpPr/>
-          <p:nvPr/>
-        </p:nvSpPr>
-        <p:spPr>
-          <a:xfrm rot="5400000">
-            <a:off x="2994196" y="6014916"/>
-            <a:ext cx="347296" cy="360040"/>
-          </a:xfrm>
-          <a:prstGeom prst="rect">
-            <a:avLst/>
-          </a:prstGeom>
-          <a:solidFill>
-            <a:schemeClr val="bg1"/>
-          </a:solidFill>
-        </p:spPr>
-        <p:style>
-          <a:lnRef idx="2">
-            <a:schemeClr val="accent1">
-              <a:shade val="50000"/>
-            </a:schemeClr>
-          </a:lnRef>
-          <a:fillRef idx="1">
-            <a:schemeClr val="accent1"/>
-          </a:fillRef>
-          <a:effectRef idx="0">
-            <a:schemeClr val="accent1"/>
-          </a:effectRef>
-          <a:fontRef idx="minor">
-            <a:schemeClr val="lt1"/>
-          </a:fontRef>
-        </p:style>
-        <p:txBody>
-          <a:bodyPr rtlCol="0" anchor="ctr"/>
-          <a:lstStyle/>
-          <a:p>
-            <a:pPr algn="ctr"/>
-            <a:r>
-              <a:rPr lang="fr-FR" sz="2000" b="1" dirty="0">
-                <a:solidFill>
-                  <a:schemeClr val="tx1"/>
-                </a:solidFill>
-              </a:rPr>
-              <a:t>1</a:t>
-            </a:r>
-          </a:p>
-        </p:txBody>
-      </p:sp>
-      <p:sp>
-        <p:nvSpPr>
-          <p:cNvPr id="105" name="Rectangle 104"/>
-          <p:cNvSpPr/>
-          <p:nvPr/>
-        </p:nvSpPr>
-        <p:spPr>
-          <a:xfrm rot="5400000">
-            <a:off x="3002226" y="6370243"/>
-            <a:ext cx="332645" cy="358630"/>
-          </a:xfrm>
-          <a:prstGeom prst="rect">
-            <a:avLst/>
-          </a:prstGeom>
-          <a:solidFill>
-            <a:schemeClr val="bg1"/>
-          </a:solidFill>
-        </p:spPr>
-        <p:style>
-          <a:lnRef idx="2">
-            <a:schemeClr val="accent1">
-              <a:shade val="50000"/>
-            </a:schemeClr>
-          </a:lnRef>
-          <a:fillRef idx="1">
-            <a:schemeClr val="accent1"/>
-          </a:fillRef>
-          <a:effectRef idx="0">
-            <a:schemeClr val="accent1"/>
-          </a:effectRef>
-          <a:fontRef idx="minor">
-            <a:schemeClr val="lt1"/>
-          </a:fontRef>
-        </p:style>
-        <p:txBody>
-          <a:bodyPr rtlCol="0" anchor="ctr"/>
-          <a:lstStyle/>
-          <a:p>
-            <a:pPr algn="ctr"/>
-            <a:r>
-              <a:rPr lang="fr-FR" sz="2000" b="1" dirty="0">
-                <a:solidFill>
-                  <a:schemeClr val="tx1"/>
-                </a:solidFill>
-              </a:rPr>
-              <a:t>3</a:t>
-            </a:r>
-          </a:p>
-        </p:txBody>
-      </p:sp>
-      <p:sp>
-        <p:nvSpPr>
-          <p:cNvPr id="106" name="Rectangle 105"/>
-          <p:cNvSpPr/>
-          <p:nvPr/>
-        </p:nvSpPr>
-        <p:spPr>
-          <a:xfrm rot="5400000">
-            <a:off x="2562148" y="6014916"/>
-            <a:ext cx="347296" cy="360040"/>
-          </a:xfrm>
-          <a:prstGeom prst="rect">
-            <a:avLst/>
-          </a:prstGeom>
-          <a:solidFill>
-            <a:schemeClr val="bg1"/>
-          </a:solidFill>
-        </p:spPr>
-        <p:style>
-          <a:lnRef idx="2">
-            <a:schemeClr val="accent1">
-              <a:shade val="50000"/>
-            </a:schemeClr>
-          </a:lnRef>
-          <a:fillRef idx="1">
-            <a:schemeClr val="accent1"/>
-          </a:fillRef>
-          <a:effectRef idx="0">
-            <a:schemeClr val="accent1"/>
-          </a:effectRef>
-          <a:fontRef idx="minor">
-            <a:schemeClr val="lt1"/>
-          </a:fontRef>
-        </p:style>
-        <p:txBody>
-          <a:bodyPr rtlCol="0" anchor="ctr"/>
-          <a:lstStyle/>
-          <a:p>
-            <a:pPr algn="ctr"/>
-            <a:r>
-              <a:rPr lang="fr-FR" sz="2000" b="1" dirty="0">
-                <a:solidFill>
-                  <a:schemeClr val="tx1"/>
-                </a:solidFill>
-              </a:rPr>
-              <a:t>1</a:t>
-            </a:r>
-          </a:p>
-        </p:txBody>
-      </p:sp>
-      <p:sp>
-        <p:nvSpPr>
-          <p:cNvPr id="107" name="Rectangle 106"/>
-          <p:cNvSpPr/>
-          <p:nvPr/>
-        </p:nvSpPr>
-        <p:spPr>
-          <a:xfrm rot="5400000">
-            <a:off x="2570178" y="6370243"/>
-            <a:ext cx="332645" cy="358630"/>
-          </a:xfrm>
-          <a:prstGeom prst="rect">
-            <a:avLst/>
-          </a:prstGeom>
-          <a:solidFill>
-            <a:schemeClr val="bg1"/>
-          </a:solidFill>
-        </p:spPr>
-        <p:style>
-          <a:lnRef idx="2">
-            <a:schemeClr val="accent1">
-              <a:shade val="50000"/>
-            </a:schemeClr>
-          </a:lnRef>
-          <a:fillRef idx="1">
-            <a:schemeClr val="accent1"/>
-          </a:fillRef>
-          <a:effectRef idx="0">
-            <a:schemeClr val="accent1"/>
-          </a:effectRef>
-          <a:fontRef idx="minor">
-            <a:schemeClr val="lt1"/>
-          </a:fontRef>
-        </p:style>
-        <p:txBody>
-          <a:bodyPr rtlCol="0" anchor="ctr"/>
-          <a:lstStyle/>
-          <a:p>
-            <a:pPr algn="ctr"/>
-            <a:r>
-              <a:rPr lang="fr-FR" sz="2000" b="1" dirty="0">
-                <a:solidFill>
-                  <a:schemeClr val="tx1"/>
-                </a:solidFill>
-              </a:rPr>
-              <a:t>3</a:t>
-            </a:r>
-          </a:p>
-        </p:txBody>
-      </p:sp>
-      <p:sp>
-        <p:nvSpPr>
-          <p:cNvPr id="108" name="Rectangle 107"/>
-          <p:cNvSpPr/>
-          <p:nvPr/>
-        </p:nvSpPr>
-        <p:spPr>
-          <a:xfrm rot="5400000">
-            <a:off x="2058092" y="6014916"/>
-            <a:ext cx="347296" cy="360040"/>
-          </a:xfrm>
-          <a:prstGeom prst="rect">
-            <a:avLst/>
-          </a:prstGeom>
-          <a:solidFill>
-            <a:schemeClr val="bg1"/>
-          </a:solidFill>
-        </p:spPr>
-        <p:style>
-          <a:lnRef idx="2">
-            <a:schemeClr val="accent1">
-              <a:shade val="50000"/>
-            </a:schemeClr>
-          </a:lnRef>
-          <a:fillRef idx="1">
-            <a:schemeClr val="accent1"/>
-          </a:fillRef>
-          <a:effectRef idx="0">
-            <a:schemeClr val="accent1"/>
-          </a:effectRef>
-          <a:fontRef idx="minor">
-            <a:schemeClr val="lt1"/>
-          </a:fontRef>
-        </p:style>
-        <p:txBody>
-          <a:bodyPr rtlCol="0" anchor="ctr"/>
-          <a:lstStyle/>
-          <a:p>
-            <a:pPr algn="ctr"/>
-            <a:r>
-              <a:rPr lang="fr-FR" sz="2000" b="1" dirty="0">
-                <a:solidFill>
-                  <a:schemeClr val="tx1"/>
-                </a:solidFill>
-              </a:rPr>
-              <a:t>1</a:t>
-            </a:r>
-          </a:p>
-        </p:txBody>
-      </p:sp>
-      <p:sp>
-        <p:nvSpPr>
-          <p:cNvPr id="109" name="Rectangle 108"/>
-          <p:cNvSpPr/>
-          <p:nvPr/>
-        </p:nvSpPr>
-        <p:spPr>
-          <a:xfrm rot="5400000">
-            <a:off x="2066122" y="6370243"/>
-            <a:ext cx="332645" cy="358630"/>
-          </a:xfrm>
-          <a:prstGeom prst="rect">
-            <a:avLst/>
-          </a:prstGeom>
-          <a:solidFill>
-            <a:schemeClr val="bg1"/>
-          </a:solidFill>
-        </p:spPr>
-        <p:style>
-          <a:lnRef idx="2">
-            <a:schemeClr val="accent1">
-              <a:shade val="50000"/>
-            </a:schemeClr>
-          </a:lnRef>
-          <a:fillRef idx="1">
-            <a:schemeClr val="accent1"/>
-          </a:fillRef>
-          <a:effectRef idx="0">
-            <a:schemeClr val="accent1"/>
-          </a:effectRef>
-          <a:fontRef idx="minor">
-            <a:schemeClr val="lt1"/>
-          </a:fontRef>
-        </p:style>
-        <p:txBody>
-          <a:bodyPr rtlCol="0" anchor="ctr"/>
-          <a:lstStyle/>
-          <a:p>
-            <a:pPr algn="ctr"/>
-            <a:r>
-              <a:rPr lang="fr-FR" sz="2000" b="1" dirty="0">
-                <a:solidFill>
-                  <a:schemeClr val="tx1"/>
-                </a:solidFill>
-              </a:rPr>
-              <a:t>3</a:t>
-            </a:r>
-          </a:p>
-        </p:txBody>
-      </p:sp>
-      <p:sp>
-        <p:nvSpPr>
-          <p:cNvPr id="110" name="Rectangle 109"/>
-          <p:cNvSpPr/>
-          <p:nvPr/>
-        </p:nvSpPr>
-        <p:spPr>
-          <a:xfrm rot="5400000">
-            <a:off x="1554036" y="6014916"/>
-            <a:ext cx="347296" cy="360040"/>
-          </a:xfrm>
-          <a:prstGeom prst="rect">
-            <a:avLst/>
-          </a:prstGeom>
-          <a:solidFill>
-            <a:schemeClr val="bg1"/>
-          </a:solidFill>
-        </p:spPr>
-        <p:style>
-          <a:lnRef idx="2">
-            <a:schemeClr val="accent1">
-              <a:shade val="50000"/>
-            </a:schemeClr>
-          </a:lnRef>
-          <a:fillRef idx="1">
-            <a:schemeClr val="accent1"/>
-          </a:fillRef>
-          <a:effectRef idx="0">
-            <a:schemeClr val="accent1"/>
-          </a:effectRef>
-          <a:fontRef idx="minor">
-            <a:schemeClr val="lt1"/>
-          </a:fontRef>
-        </p:style>
-        <p:txBody>
-          <a:bodyPr rtlCol="0" anchor="ctr"/>
-          <a:lstStyle/>
-          <a:p>
-            <a:pPr algn="ctr"/>
-            <a:r>
-              <a:rPr lang="fr-FR" sz="2000" b="1" dirty="0">
-                <a:solidFill>
-                  <a:schemeClr val="tx1"/>
-                </a:solidFill>
-              </a:rPr>
-              <a:t>1</a:t>
-            </a:r>
-          </a:p>
-        </p:txBody>
-      </p:sp>
-      <p:sp>
-        <p:nvSpPr>
-          <p:cNvPr id="111" name="Rectangle 110"/>
-          <p:cNvSpPr/>
-          <p:nvPr/>
-        </p:nvSpPr>
-        <p:spPr>
-          <a:xfrm rot="5400000">
-            <a:off x="1562066" y="6370243"/>
-            <a:ext cx="332645" cy="358630"/>
-          </a:xfrm>
-          <a:prstGeom prst="rect">
-            <a:avLst/>
-          </a:prstGeom>
-          <a:solidFill>
-            <a:schemeClr val="bg1"/>
-          </a:solidFill>
-        </p:spPr>
-        <p:style>
-          <a:lnRef idx="2">
-            <a:schemeClr val="accent1">
-              <a:shade val="50000"/>
-            </a:schemeClr>
-          </a:lnRef>
-          <a:fillRef idx="1">
-            <a:schemeClr val="accent1"/>
-          </a:fillRef>
-          <a:effectRef idx="0">
-            <a:schemeClr val="accent1"/>
-          </a:effectRef>
-          <a:fontRef idx="minor">
-            <a:schemeClr val="lt1"/>
-          </a:fontRef>
-        </p:style>
-        <p:txBody>
-          <a:bodyPr rtlCol="0" anchor="ctr"/>
-          <a:lstStyle/>
-          <a:p>
-            <a:pPr algn="ctr"/>
-            <a:r>
-              <a:rPr lang="fr-FR" sz="2000" b="1" dirty="0">
-                <a:solidFill>
-                  <a:schemeClr val="tx1"/>
-                </a:solidFill>
-              </a:rPr>
-              <a:t>3</a:t>
-            </a:r>
           </a:p>
         </p:txBody>
       </p:sp>
